--- a/reports/figs/fig_pipeline.pptx
+++ b/reports/figs/fig_pipeline.pptx
@@ -2704,7 +2704,7 @@
           <a:p>
             <a:fld id="{A52FFE4A-1453-4443-9414-84667510EB39}" type="datetimeFigureOut">
               <a:rPr lang="en-US" smtClean="0"/>
-              <a:t>5/6/20</a:t>
+              <a:t>8/29/20</a:t>
             </a:fld>
             <a:endParaRPr lang="en-US"/>
           </a:p>
@@ -2874,7 +2874,7 @@
           <a:p>
             <a:fld id="{A52FFE4A-1453-4443-9414-84667510EB39}" type="datetimeFigureOut">
               <a:rPr lang="en-US" smtClean="0"/>
-              <a:t>5/6/20</a:t>
+              <a:t>8/29/20</a:t>
             </a:fld>
             <a:endParaRPr lang="en-US"/>
           </a:p>
@@ -3054,7 +3054,7 @@
           <a:p>
             <a:fld id="{A52FFE4A-1453-4443-9414-84667510EB39}" type="datetimeFigureOut">
               <a:rPr lang="en-US" smtClean="0"/>
-              <a:t>5/6/20</a:t>
+              <a:t>8/29/20</a:t>
             </a:fld>
             <a:endParaRPr lang="en-US"/>
           </a:p>
@@ -3224,7 +3224,7 @@
           <a:p>
             <a:fld id="{A52FFE4A-1453-4443-9414-84667510EB39}" type="datetimeFigureOut">
               <a:rPr lang="en-US" smtClean="0"/>
-              <a:t>5/6/20</a:t>
+              <a:t>8/29/20</a:t>
             </a:fld>
             <a:endParaRPr lang="en-US"/>
           </a:p>
@@ -3470,7 +3470,7 @@
           <a:p>
             <a:fld id="{A52FFE4A-1453-4443-9414-84667510EB39}" type="datetimeFigureOut">
               <a:rPr lang="en-US" smtClean="0"/>
-              <a:t>5/6/20</a:t>
+              <a:t>8/29/20</a:t>
             </a:fld>
             <a:endParaRPr lang="en-US"/>
           </a:p>
@@ -3702,7 +3702,7 @@
           <a:p>
             <a:fld id="{A52FFE4A-1453-4443-9414-84667510EB39}" type="datetimeFigureOut">
               <a:rPr lang="en-US" smtClean="0"/>
-              <a:t>5/6/20</a:t>
+              <a:t>8/29/20</a:t>
             </a:fld>
             <a:endParaRPr lang="en-US"/>
           </a:p>
@@ -4069,7 +4069,7 @@
           <a:p>
             <a:fld id="{A52FFE4A-1453-4443-9414-84667510EB39}" type="datetimeFigureOut">
               <a:rPr lang="en-US" smtClean="0"/>
-              <a:t>5/6/20</a:t>
+              <a:t>8/29/20</a:t>
             </a:fld>
             <a:endParaRPr lang="en-US"/>
           </a:p>
@@ -4187,7 +4187,7 @@
           <a:p>
             <a:fld id="{A52FFE4A-1453-4443-9414-84667510EB39}" type="datetimeFigureOut">
               <a:rPr lang="en-US" smtClean="0"/>
-              <a:t>5/6/20</a:t>
+              <a:t>8/29/20</a:t>
             </a:fld>
             <a:endParaRPr lang="en-US"/>
           </a:p>
@@ -4282,7 +4282,7 @@
           <a:p>
             <a:fld id="{A52FFE4A-1453-4443-9414-84667510EB39}" type="datetimeFigureOut">
               <a:rPr lang="en-US" smtClean="0"/>
-              <a:t>5/6/20</a:t>
+              <a:t>8/29/20</a:t>
             </a:fld>
             <a:endParaRPr lang="en-US"/>
           </a:p>
@@ -4559,7 +4559,7 @@
           <a:p>
             <a:fld id="{A52FFE4A-1453-4443-9414-84667510EB39}" type="datetimeFigureOut">
               <a:rPr lang="en-US" smtClean="0"/>
-              <a:t>5/6/20</a:t>
+              <a:t>8/29/20</a:t>
             </a:fld>
             <a:endParaRPr lang="en-US"/>
           </a:p>
@@ -4816,7 +4816,7 @@
           <a:p>
             <a:fld id="{A52FFE4A-1453-4443-9414-84667510EB39}" type="datetimeFigureOut">
               <a:rPr lang="en-US" smtClean="0"/>
-              <a:t>5/6/20</a:t>
+              <a:t>8/29/20</a:t>
             </a:fld>
             <a:endParaRPr lang="en-US"/>
           </a:p>
@@ -5029,7 +5029,7 @@
           <a:p>
             <a:fld id="{A52FFE4A-1453-4443-9414-84667510EB39}" type="datetimeFigureOut">
               <a:rPr lang="en-US" smtClean="0"/>
-              <a:t>5/6/20</a:t>
+              <a:t>8/29/20</a:t>
             </a:fld>
             <a:endParaRPr lang="en-US"/>
           </a:p>

--- a/reports/figs/fig_pipeline.pptx
+++ b/reports/figs/fig_pipeline.pptx
@@ -2,12 +2,12 @@
 <file path=ppt/presentation.xml><?xml version="1.0" encoding="utf-8"?>
 <p:presentation xmlns:a="http://schemas.openxmlformats.org/drawingml/2006/main" xmlns:r="http://schemas.openxmlformats.org/officeDocument/2006/relationships" xmlns:p="http://schemas.openxmlformats.org/presentationml/2006/main" saveSubsetFonts="1" autoCompressPictures="0">
   <p:sldMasterIdLst>
-    <p:sldMasterId id="2147483660" r:id="rId1"/>
+    <p:sldMasterId id="2147483672" r:id="rId1"/>
   </p:sldMasterIdLst>
   <p:sldIdLst>
     <p:sldId id="256" r:id="rId2"/>
   </p:sldIdLst>
-  <p:sldSz cx="12192000" cy="3200400"/>
+  <p:sldSz cx="13716000" cy="3200400"/>
   <p:notesSz cx="6858000" cy="9144000"/>
   <p:defaultTextStyle>
     <a:defPPr>
@@ -112,2467 +112,6 @@
 </p:presentation>
 </file>
 
-<file path=ppt/diagrams/colors1.xml><?xml version="1.0" encoding="utf-8"?>
-<dgm:colorsDef xmlns:dgm="http://schemas.openxmlformats.org/drawingml/2006/diagram" xmlns:a="http://schemas.openxmlformats.org/drawingml/2006/main" uniqueId="urn:microsoft.com/office/officeart/2005/8/colors/accent1_2">
-  <dgm:title val=""/>
-  <dgm:desc val=""/>
-  <dgm:catLst>
-    <dgm:cat type="accent1" pri="11200"/>
-  </dgm:catLst>
-  <dgm:styleLbl name="node0">
-    <dgm:fillClrLst meth="repeat">
-      <a:schemeClr val="accent1"/>
-    </dgm:fillClrLst>
-    <dgm:linClrLst meth="repeat">
-      <a:schemeClr val="lt1"/>
-    </dgm:linClrLst>
-    <dgm:effectClrLst/>
-    <dgm:txLinClrLst/>
-    <dgm:txFillClrLst/>
-    <dgm:txEffectClrLst/>
-  </dgm:styleLbl>
-  <dgm:styleLbl name="alignNode1">
-    <dgm:fillClrLst meth="repeat">
-      <a:schemeClr val="accent1"/>
-    </dgm:fillClrLst>
-    <dgm:linClrLst meth="repeat">
-      <a:schemeClr val="accent1"/>
-    </dgm:linClrLst>
-    <dgm:effectClrLst/>
-    <dgm:txLinClrLst/>
-    <dgm:txFillClrLst/>
-    <dgm:txEffectClrLst/>
-  </dgm:styleLbl>
-  <dgm:styleLbl name="node1">
-    <dgm:fillClrLst meth="repeat">
-      <a:schemeClr val="accent1"/>
-    </dgm:fillClrLst>
-    <dgm:linClrLst meth="repeat">
-      <a:schemeClr val="lt1"/>
-    </dgm:linClrLst>
-    <dgm:effectClrLst/>
-    <dgm:txLinClrLst/>
-    <dgm:txFillClrLst/>
-    <dgm:txEffectClrLst/>
-  </dgm:styleLbl>
-  <dgm:styleLbl name="lnNode1">
-    <dgm:fillClrLst meth="repeat">
-      <a:schemeClr val="accent1"/>
-    </dgm:fillClrLst>
-    <dgm:linClrLst meth="repeat">
-      <a:schemeClr val="lt1"/>
-    </dgm:linClrLst>
-    <dgm:effectClrLst/>
-    <dgm:txLinClrLst/>
-    <dgm:txFillClrLst/>
-    <dgm:txEffectClrLst/>
-  </dgm:styleLbl>
-  <dgm:styleLbl name="vennNode1">
-    <dgm:fillClrLst meth="repeat">
-      <a:schemeClr val="accent1">
-        <a:alpha val="50000"/>
-      </a:schemeClr>
-    </dgm:fillClrLst>
-    <dgm:linClrLst meth="repeat">
-      <a:schemeClr val="lt1"/>
-    </dgm:linClrLst>
-    <dgm:effectClrLst/>
-    <dgm:txLinClrLst/>
-    <dgm:txFillClrLst/>
-    <dgm:txEffectClrLst/>
-  </dgm:styleLbl>
-  <dgm:styleLbl name="node2">
-    <dgm:fillClrLst meth="repeat">
-      <a:schemeClr val="accent1"/>
-    </dgm:fillClrLst>
-    <dgm:linClrLst meth="repeat">
-      <a:schemeClr val="lt1"/>
-    </dgm:linClrLst>
-    <dgm:effectClrLst/>
-    <dgm:txLinClrLst/>
-    <dgm:txFillClrLst/>
-    <dgm:txEffectClrLst/>
-  </dgm:styleLbl>
-  <dgm:styleLbl name="node3">
-    <dgm:fillClrLst meth="repeat">
-      <a:schemeClr val="accent1"/>
-    </dgm:fillClrLst>
-    <dgm:linClrLst meth="repeat">
-      <a:schemeClr val="lt1"/>
-    </dgm:linClrLst>
-    <dgm:effectClrLst/>
-    <dgm:txLinClrLst/>
-    <dgm:txFillClrLst/>
-    <dgm:txEffectClrLst/>
-  </dgm:styleLbl>
-  <dgm:styleLbl name="node4">
-    <dgm:fillClrLst meth="repeat">
-      <a:schemeClr val="accent1"/>
-    </dgm:fillClrLst>
-    <dgm:linClrLst meth="repeat">
-      <a:schemeClr val="lt1"/>
-    </dgm:linClrLst>
-    <dgm:effectClrLst/>
-    <dgm:txLinClrLst/>
-    <dgm:txFillClrLst/>
-    <dgm:txEffectClrLst/>
-  </dgm:styleLbl>
-  <dgm:styleLbl name="fgImgPlace1">
-    <dgm:fillClrLst meth="repeat">
-      <a:schemeClr val="accent1">
-        <a:tint val="50000"/>
-      </a:schemeClr>
-    </dgm:fillClrLst>
-    <dgm:linClrLst meth="repeat">
-      <a:schemeClr val="lt1"/>
-    </dgm:linClrLst>
-    <dgm:effectClrLst/>
-    <dgm:txLinClrLst/>
-    <dgm:txFillClrLst meth="repeat">
-      <a:schemeClr val="lt1"/>
-    </dgm:txFillClrLst>
-    <dgm:txEffectClrLst/>
-  </dgm:styleLbl>
-  <dgm:styleLbl name="alignImgPlace1">
-    <dgm:fillClrLst meth="repeat">
-      <a:schemeClr val="accent1">
-        <a:tint val="50000"/>
-      </a:schemeClr>
-    </dgm:fillClrLst>
-    <dgm:linClrLst meth="repeat">
-      <a:schemeClr val="lt1"/>
-    </dgm:linClrLst>
-    <dgm:effectClrLst/>
-    <dgm:txLinClrLst/>
-    <dgm:txFillClrLst meth="repeat">
-      <a:schemeClr val="lt1"/>
-    </dgm:txFillClrLst>
-    <dgm:txEffectClrLst/>
-  </dgm:styleLbl>
-  <dgm:styleLbl name="bgImgPlace1">
-    <dgm:fillClrLst meth="repeat">
-      <a:schemeClr val="accent1">
-        <a:tint val="50000"/>
-      </a:schemeClr>
-    </dgm:fillClrLst>
-    <dgm:linClrLst meth="repeat">
-      <a:schemeClr val="lt1"/>
-    </dgm:linClrLst>
-    <dgm:effectClrLst/>
-    <dgm:txLinClrLst/>
-    <dgm:txFillClrLst meth="repeat">
-      <a:schemeClr val="lt1"/>
-    </dgm:txFillClrLst>
-    <dgm:txEffectClrLst/>
-  </dgm:styleLbl>
-  <dgm:styleLbl name="sibTrans2D1">
-    <dgm:fillClrLst meth="repeat">
-      <a:schemeClr val="accent1">
-        <a:tint val="60000"/>
-      </a:schemeClr>
-    </dgm:fillClrLst>
-    <dgm:linClrLst meth="repeat">
-      <a:schemeClr val="accent1">
-        <a:tint val="60000"/>
-      </a:schemeClr>
-    </dgm:linClrLst>
-    <dgm:effectClrLst/>
-    <dgm:txLinClrLst/>
-    <dgm:txFillClrLst/>
-    <dgm:txEffectClrLst/>
-  </dgm:styleLbl>
-  <dgm:styleLbl name="fgSibTrans2D1">
-    <dgm:fillClrLst meth="repeat">
-      <a:schemeClr val="accent1">
-        <a:tint val="60000"/>
-      </a:schemeClr>
-    </dgm:fillClrLst>
-    <dgm:linClrLst meth="repeat">
-      <a:schemeClr val="accent1">
-        <a:tint val="60000"/>
-      </a:schemeClr>
-    </dgm:linClrLst>
-    <dgm:effectClrLst/>
-    <dgm:txLinClrLst/>
-    <dgm:txFillClrLst/>
-    <dgm:txEffectClrLst/>
-  </dgm:styleLbl>
-  <dgm:styleLbl name="bgSibTrans2D1">
-    <dgm:fillClrLst meth="repeat">
-      <a:schemeClr val="accent1">
-        <a:tint val="60000"/>
-      </a:schemeClr>
-    </dgm:fillClrLst>
-    <dgm:linClrLst meth="repeat">
-      <a:schemeClr val="accent1">
-        <a:tint val="60000"/>
-      </a:schemeClr>
-    </dgm:linClrLst>
-    <dgm:effectClrLst/>
-    <dgm:txLinClrLst/>
-    <dgm:txFillClrLst/>
-    <dgm:txEffectClrLst/>
-  </dgm:styleLbl>
-  <dgm:styleLbl name="sibTrans1D1">
-    <dgm:fillClrLst meth="repeat">
-      <a:schemeClr val="accent1"/>
-    </dgm:fillClrLst>
-    <dgm:linClrLst meth="repeat">
-      <a:schemeClr val="accent1"/>
-    </dgm:linClrLst>
-    <dgm:effectClrLst/>
-    <dgm:txLinClrLst/>
-    <dgm:txFillClrLst meth="repeat">
-      <a:schemeClr val="tx1"/>
-    </dgm:txFillClrLst>
-    <dgm:txEffectClrLst/>
-  </dgm:styleLbl>
-  <dgm:styleLbl name="callout">
-    <dgm:fillClrLst meth="repeat">
-      <a:schemeClr val="accent1"/>
-    </dgm:fillClrLst>
-    <dgm:linClrLst meth="repeat">
-      <a:schemeClr val="accent1">
-        <a:tint val="50000"/>
-      </a:schemeClr>
-    </dgm:linClrLst>
-    <dgm:effectClrLst/>
-    <dgm:txLinClrLst/>
-    <dgm:txFillClrLst meth="repeat">
-      <a:schemeClr val="tx1"/>
-    </dgm:txFillClrLst>
-    <dgm:txEffectClrLst/>
-  </dgm:styleLbl>
-  <dgm:styleLbl name="asst0">
-    <dgm:fillClrLst meth="repeat">
-      <a:schemeClr val="accent1"/>
-    </dgm:fillClrLst>
-    <dgm:linClrLst meth="repeat">
-      <a:schemeClr val="lt1"/>
-    </dgm:linClrLst>
-    <dgm:effectClrLst/>
-    <dgm:txLinClrLst/>
-    <dgm:txFillClrLst/>
-    <dgm:txEffectClrLst/>
-  </dgm:styleLbl>
-  <dgm:styleLbl name="asst1">
-    <dgm:fillClrLst meth="repeat">
-      <a:schemeClr val="accent1"/>
-    </dgm:fillClrLst>
-    <dgm:linClrLst meth="repeat">
-      <a:schemeClr val="lt1"/>
-    </dgm:linClrLst>
-    <dgm:effectClrLst/>
-    <dgm:txLinClrLst/>
-    <dgm:txFillClrLst/>
-    <dgm:txEffectClrLst/>
-  </dgm:styleLbl>
-  <dgm:styleLbl name="asst2">
-    <dgm:fillClrLst meth="repeat">
-      <a:schemeClr val="accent1"/>
-    </dgm:fillClrLst>
-    <dgm:linClrLst meth="repeat">
-      <a:schemeClr val="lt1"/>
-    </dgm:linClrLst>
-    <dgm:effectClrLst/>
-    <dgm:txLinClrLst/>
-    <dgm:txFillClrLst/>
-    <dgm:txEffectClrLst/>
-  </dgm:styleLbl>
-  <dgm:styleLbl name="asst3">
-    <dgm:fillClrLst meth="repeat">
-      <a:schemeClr val="accent1"/>
-    </dgm:fillClrLst>
-    <dgm:linClrLst meth="repeat">
-      <a:schemeClr val="lt1"/>
-    </dgm:linClrLst>
-    <dgm:effectClrLst/>
-    <dgm:txLinClrLst/>
-    <dgm:txFillClrLst/>
-    <dgm:txEffectClrLst/>
-  </dgm:styleLbl>
-  <dgm:styleLbl name="asst4">
-    <dgm:fillClrLst meth="repeat">
-      <a:schemeClr val="accent1"/>
-    </dgm:fillClrLst>
-    <dgm:linClrLst meth="repeat">
-      <a:schemeClr val="lt1"/>
-    </dgm:linClrLst>
-    <dgm:effectClrLst/>
-    <dgm:txLinClrLst/>
-    <dgm:txFillClrLst/>
-    <dgm:txEffectClrLst/>
-  </dgm:styleLbl>
-  <dgm:styleLbl name="parChTrans2D1">
-    <dgm:fillClrLst meth="repeat">
-      <a:schemeClr val="accent1">
-        <a:tint val="60000"/>
-      </a:schemeClr>
-    </dgm:fillClrLst>
-    <dgm:linClrLst meth="repeat">
-      <a:schemeClr val="accent1">
-        <a:tint val="60000"/>
-      </a:schemeClr>
-    </dgm:linClrLst>
-    <dgm:effectClrLst/>
-    <dgm:txLinClrLst/>
-    <dgm:txFillClrLst meth="repeat">
-      <a:schemeClr val="lt1"/>
-    </dgm:txFillClrLst>
-    <dgm:txEffectClrLst/>
-  </dgm:styleLbl>
-  <dgm:styleLbl name="parChTrans2D2">
-    <dgm:fillClrLst meth="repeat">
-      <a:schemeClr val="accent1"/>
-    </dgm:fillClrLst>
-    <dgm:linClrLst meth="repeat">
-      <a:schemeClr val="accent1"/>
-    </dgm:linClrLst>
-    <dgm:effectClrLst/>
-    <dgm:txLinClrLst/>
-    <dgm:txFillClrLst meth="repeat">
-      <a:schemeClr val="lt1"/>
-    </dgm:txFillClrLst>
-    <dgm:txEffectClrLst/>
-  </dgm:styleLbl>
-  <dgm:styleLbl name="parChTrans2D3">
-    <dgm:fillClrLst meth="repeat">
-      <a:schemeClr val="accent1"/>
-    </dgm:fillClrLst>
-    <dgm:linClrLst meth="repeat">
-      <a:schemeClr val="accent1"/>
-    </dgm:linClrLst>
-    <dgm:effectClrLst/>
-    <dgm:txLinClrLst/>
-    <dgm:txFillClrLst meth="repeat">
-      <a:schemeClr val="lt1"/>
-    </dgm:txFillClrLst>
-    <dgm:txEffectClrLst/>
-  </dgm:styleLbl>
-  <dgm:styleLbl name="parChTrans2D4">
-    <dgm:fillClrLst meth="repeat">
-      <a:schemeClr val="accent1"/>
-    </dgm:fillClrLst>
-    <dgm:linClrLst meth="repeat">
-      <a:schemeClr val="accent1"/>
-    </dgm:linClrLst>
-    <dgm:effectClrLst/>
-    <dgm:txLinClrLst/>
-    <dgm:txFillClrLst meth="repeat">
-      <a:schemeClr val="lt1"/>
-    </dgm:txFillClrLst>
-    <dgm:txEffectClrLst/>
-  </dgm:styleLbl>
-  <dgm:styleLbl name="parChTrans1D1">
-    <dgm:fillClrLst meth="repeat">
-      <a:schemeClr val="accent1"/>
-    </dgm:fillClrLst>
-    <dgm:linClrLst meth="repeat">
-      <a:schemeClr val="accent1">
-        <a:shade val="60000"/>
-      </a:schemeClr>
-    </dgm:linClrLst>
-    <dgm:effectClrLst/>
-    <dgm:txLinClrLst/>
-    <dgm:txFillClrLst meth="repeat">
-      <a:schemeClr val="tx1"/>
-    </dgm:txFillClrLst>
-    <dgm:txEffectClrLst/>
-  </dgm:styleLbl>
-  <dgm:styleLbl name="parChTrans1D2">
-    <dgm:fillClrLst meth="repeat">
-      <a:schemeClr val="accent1"/>
-    </dgm:fillClrLst>
-    <dgm:linClrLst meth="repeat">
-      <a:schemeClr val="accent1">
-        <a:shade val="60000"/>
-      </a:schemeClr>
-    </dgm:linClrLst>
-    <dgm:effectClrLst/>
-    <dgm:txLinClrLst/>
-    <dgm:txFillClrLst meth="repeat">
-      <a:schemeClr val="tx1"/>
-    </dgm:txFillClrLst>
-    <dgm:txEffectClrLst/>
-  </dgm:styleLbl>
-  <dgm:styleLbl name="parChTrans1D3">
-    <dgm:fillClrLst meth="repeat">
-      <a:schemeClr val="accent1"/>
-    </dgm:fillClrLst>
-    <dgm:linClrLst meth="repeat">
-      <a:schemeClr val="accent1">
-        <a:shade val="80000"/>
-      </a:schemeClr>
-    </dgm:linClrLst>
-    <dgm:effectClrLst/>
-    <dgm:txLinClrLst/>
-    <dgm:txFillClrLst meth="repeat">
-      <a:schemeClr val="tx1"/>
-    </dgm:txFillClrLst>
-    <dgm:txEffectClrLst/>
-  </dgm:styleLbl>
-  <dgm:styleLbl name="parChTrans1D4">
-    <dgm:fillClrLst meth="repeat">
-      <a:schemeClr val="accent1"/>
-    </dgm:fillClrLst>
-    <dgm:linClrLst meth="repeat">
-      <a:schemeClr val="accent1">
-        <a:shade val="80000"/>
-      </a:schemeClr>
-    </dgm:linClrLst>
-    <dgm:effectClrLst/>
-    <dgm:txLinClrLst/>
-    <dgm:txFillClrLst meth="repeat">
-      <a:schemeClr val="tx1"/>
-    </dgm:txFillClrLst>
-    <dgm:txEffectClrLst/>
-  </dgm:styleLbl>
-  <dgm:styleLbl name="fgAcc1">
-    <dgm:fillClrLst meth="repeat">
-      <a:schemeClr val="lt1">
-        <a:alpha val="90000"/>
-      </a:schemeClr>
-    </dgm:fillClrLst>
-    <dgm:linClrLst meth="repeat">
-      <a:schemeClr val="accent1"/>
-    </dgm:linClrLst>
-    <dgm:effectClrLst/>
-    <dgm:txLinClrLst/>
-    <dgm:txFillClrLst meth="repeat">
-      <a:schemeClr val="dk1"/>
-    </dgm:txFillClrLst>
-    <dgm:txEffectClrLst/>
-  </dgm:styleLbl>
-  <dgm:styleLbl name="conFgAcc1">
-    <dgm:fillClrLst meth="repeat">
-      <a:schemeClr val="lt1">
-        <a:alpha val="90000"/>
-      </a:schemeClr>
-    </dgm:fillClrLst>
-    <dgm:linClrLst meth="repeat">
-      <a:schemeClr val="accent1"/>
-    </dgm:linClrLst>
-    <dgm:effectClrLst/>
-    <dgm:txLinClrLst/>
-    <dgm:txFillClrLst meth="repeat">
-      <a:schemeClr val="dk1"/>
-    </dgm:txFillClrLst>
-    <dgm:txEffectClrLst/>
-  </dgm:styleLbl>
-  <dgm:styleLbl name="alignAcc1">
-    <dgm:fillClrLst meth="repeat">
-      <a:schemeClr val="lt1">
-        <a:alpha val="90000"/>
-      </a:schemeClr>
-    </dgm:fillClrLst>
-    <dgm:linClrLst meth="repeat">
-      <a:schemeClr val="accent1"/>
-    </dgm:linClrLst>
-    <dgm:effectClrLst/>
-    <dgm:txLinClrLst/>
-    <dgm:txFillClrLst meth="repeat">
-      <a:schemeClr val="dk1"/>
-    </dgm:txFillClrLst>
-    <dgm:txEffectClrLst/>
-  </dgm:styleLbl>
-  <dgm:styleLbl name="trAlignAcc1">
-    <dgm:fillClrLst meth="repeat">
-      <a:schemeClr val="lt1">
-        <a:alpha val="40000"/>
-      </a:schemeClr>
-    </dgm:fillClrLst>
-    <dgm:linClrLst meth="repeat">
-      <a:schemeClr val="accent1"/>
-    </dgm:linClrLst>
-    <dgm:effectClrLst/>
-    <dgm:txLinClrLst/>
-    <dgm:txFillClrLst meth="repeat">
-      <a:schemeClr val="dk1"/>
-    </dgm:txFillClrLst>
-    <dgm:txEffectClrLst/>
-  </dgm:styleLbl>
-  <dgm:styleLbl name="bgAcc1">
-    <dgm:fillClrLst meth="repeat">
-      <a:schemeClr val="lt1">
-        <a:alpha val="90000"/>
-      </a:schemeClr>
-    </dgm:fillClrLst>
-    <dgm:linClrLst meth="repeat">
-      <a:schemeClr val="accent1"/>
-    </dgm:linClrLst>
-    <dgm:effectClrLst/>
-    <dgm:txLinClrLst/>
-    <dgm:txFillClrLst meth="repeat">
-      <a:schemeClr val="dk1"/>
-    </dgm:txFillClrLst>
-    <dgm:txEffectClrLst/>
-  </dgm:styleLbl>
-  <dgm:styleLbl name="solidFgAcc1">
-    <dgm:fillClrLst meth="repeat">
-      <a:schemeClr val="lt1"/>
-    </dgm:fillClrLst>
-    <dgm:linClrLst meth="repeat">
-      <a:schemeClr val="accent1"/>
-    </dgm:linClrLst>
-    <dgm:effectClrLst/>
-    <dgm:txLinClrLst/>
-    <dgm:txFillClrLst meth="repeat">
-      <a:schemeClr val="dk1"/>
-    </dgm:txFillClrLst>
-    <dgm:txEffectClrLst/>
-  </dgm:styleLbl>
-  <dgm:styleLbl name="solidAlignAcc1">
-    <dgm:fillClrLst meth="repeat">
-      <a:schemeClr val="lt1"/>
-    </dgm:fillClrLst>
-    <dgm:linClrLst meth="repeat">
-      <a:schemeClr val="accent1"/>
-    </dgm:linClrLst>
-    <dgm:effectClrLst/>
-    <dgm:txLinClrLst/>
-    <dgm:txFillClrLst meth="repeat">
-      <a:schemeClr val="dk1"/>
-    </dgm:txFillClrLst>
-    <dgm:txEffectClrLst/>
-  </dgm:styleLbl>
-  <dgm:styleLbl name="solidBgAcc1">
-    <dgm:fillClrLst meth="repeat">
-      <a:schemeClr val="lt1"/>
-    </dgm:fillClrLst>
-    <dgm:linClrLst meth="repeat">
-      <a:schemeClr val="accent1"/>
-    </dgm:linClrLst>
-    <dgm:effectClrLst/>
-    <dgm:txLinClrLst/>
-    <dgm:txFillClrLst meth="repeat">
-      <a:schemeClr val="dk1"/>
-    </dgm:txFillClrLst>
-    <dgm:txEffectClrLst/>
-  </dgm:styleLbl>
-  <dgm:styleLbl name="fgAccFollowNode1">
-    <dgm:fillClrLst meth="repeat">
-      <a:schemeClr val="accent1">
-        <a:alpha val="90000"/>
-        <a:tint val="40000"/>
-      </a:schemeClr>
-    </dgm:fillClrLst>
-    <dgm:linClrLst meth="repeat">
-      <a:schemeClr val="accent1">
-        <a:alpha val="90000"/>
-        <a:tint val="40000"/>
-      </a:schemeClr>
-    </dgm:linClrLst>
-    <dgm:effectClrLst/>
-    <dgm:txLinClrLst/>
-    <dgm:txFillClrLst meth="repeat">
-      <a:schemeClr val="dk1"/>
-    </dgm:txFillClrLst>
-    <dgm:txEffectClrLst/>
-  </dgm:styleLbl>
-  <dgm:styleLbl name="alignAccFollowNode1">
-    <dgm:fillClrLst meth="repeat">
-      <a:schemeClr val="accent1">
-        <a:alpha val="90000"/>
-        <a:tint val="40000"/>
-      </a:schemeClr>
-    </dgm:fillClrLst>
-    <dgm:linClrLst meth="repeat">
-      <a:schemeClr val="accent1">
-        <a:alpha val="90000"/>
-        <a:tint val="40000"/>
-      </a:schemeClr>
-    </dgm:linClrLst>
-    <dgm:effectClrLst/>
-    <dgm:txLinClrLst/>
-    <dgm:txFillClrLst meth="repeat">
-      <a:schemeClr val="dk1"/>
-    </dgm:txFillClrLst>
-    <dgm:txEffectClrLst/>
-  </dgm:styleLbl>
-  <dgm:styleLbl name="bgAccFollowNode1">
-    <dgm:fillClrLst meth="repeat">
-      <a:schemeClr val="accent1">
-        <a:alpha val="90000"/>
-        <a:tint val="40000"/>
-      </a:schemeClr>
-    </dgm:fillClrLst>
-    <dgm:linClrLst meth="repeat">
-      <a:schemeClr val="accent1">
-        <a:alpha val="90000"/>
-        <a:tint val="40000"/>
-      </a:schemeClr>
-    </dgm:linClrLst>
-    <dgm:effectClrLst/>
-    <dgm:txLinClrLst/>
-    <dgm:txFillClrLst meth="repeat">
-      <a:schemeClr val="dk1"/>
-    </dgm:txFillClrLst>
-    <dgm:txEffectClrLst/>
-  </dgm:styleLbl>
-  <dgm:styleLbl name="fgAcc0">
-    <dgm:fillClrLst meth="repeat">
-      <a:schemeClr val="lt1">
-        <a:alpha val="90000"/>
-      </a:schemeClr>
-    </dgm:fillClrLst>
-    <dgm:linClrLst meth="repeat">
-      <a:schemeClr val="accent1"/>
-    </dgm:linClrLst>
-    <dgm:effectClrLst/>
-    <dgm:txLinClrLst/>
-    <dgm:txFillClrLst meth="repeat">
-      <a:schemeClr val="dk1"/>
-    </dgm:txFillClrLst>
-    <dgm:txEffectClrLst/>
-  </dgm:styleLbl>
-  <dgm:styleLbl name="fgAcc2">
-    <dgm:fillClrLst meth="repeat">
-      <a:schemeClr val="lt1">
-        <a:alpha val="90000"/>
-      </a:schemeClr>
-    </dgm:fillClrLst>
-    <dgm:linClrLst meth="repeat">
-      <a:schemeClr val="accent1"/>
-    </dgm:linClrLst>
-    <dgm:effectClrLst/>
-    <dgm:txLinClrLst/>
-    <dgm:txFillClrLst meth="repeat">
-      <a:schemeClr val="dk1"/>
-    </dgm:txFillClrLst>
-    <dgm:txEffectClrLst/>
-  </dgm:styleLbl>
-  <dgm:styleLbl name="fgAcc3">
-    <dgm:fillClrLst meth="repeat">
-      <a:schemeClr val="lt1">
-        <a:alpha val="90000"/>
-      </a:schemeClr>
-    </dgm:fillClrLst>
-    <dgm:linClrLst meth="repeat">
-      <a:schemeClr val="accent1"/>
-    </dgm:linClrLst>
-    <dgm:effectClrLst/>
-    <dgm:txLinClrLst/>
-    <dgm:txFillClrLst meth="repeat">
-      <a:schemeClr val="dk1"/>
-    </dgm:txFillClrLst>
-    <dgm:txEffectClrLst/>
-  </dgm:styleLbl>
-  <dgm:styleLbl name="fgAcc4">
-    <dgm:fillClrLst meth="repeat">
-      <a:schemeClr val="lt1">
-        <a:alpha val="90000"/>
-      </a:schemeClr>
-    </dgm:fillClrLst>
-    <dgm:linClrLst meth="repeat">
-      <a:schemeClr val="accent1"/>
-    </dgm:linClrLst>
-    <dgm:effectClrLst/>
-    <dgm:txLinClrLst/>
-    <dgm:txFillClrLst meth="repeat">
-      <a:schemeClr val="dk1"/>
-    </dgm:txFillClrLst>
-    <dgm:txEffectClrLst/>
-  </dgm:styleLbl>
-  <dgm:styleLbl name="bgShp">
-    <dgm:fillClrLst meth="repeat">
-      <a:schemeClr val="accent1">
-        <a:tint val="40000"/>
-      </a:schemeClr>
-    </dgm:fillClrLst>
-    <dgm:linClrLst meth="repeat">
-      <a:schemeClr val="accent1"/>
-    </dgm:linClrLst>
-    <dgm:effectClrLst/>
-    <dgm:txLinClrLst/>
-    <dgm:txFillClrLst meth="repeat">
-      <a:schemeClr val="dk1"/>
-    </dgm:txFillClrLst>
-    <dgm:txEffectClrLst/>
-  </dgm:styleLbl>
-  <dgm:styleLbl name="dkBgShp">
-    <dgm:fillClrLst meth="repeat">
-      <a:schemeClr val="accent1">
-        <a:shade val="80000"/>
-      </a:schemeClr>
-    </dgm:fillClrLst>
-    <dgm:linClrLst meth="repeat">
-      <a:schemeClr val="accent1"/>
-    </dgm:linClrLst>
-    <dgm:effectClrLst/>
-    <dgm:txLinClrLst/>
-    <dgm:txFillClrLst meth="repeat">
-      <a:schemeClr val="lt1"/>
-    </dgm:txFillClrLst>
-    <dgm:txEffectClrLst/>
-  </dgm:styleLbl>
-  <dgm:styleLbl name="trBgShp">
-    <dgm:fillClrLst meth="repeat">
-      <a:schemeClr val="accent1">
-        <a:tint val="50000"/>
-        <a:alpha val="40000"/>
-      </a:schemeClr>
-    </dgm:fillClrLst>
-    <dgm:linClrLst meth="repeat">
-      <a:schemeClr val="accent1"/>
-    </dgm:linClrLst>
-    <dgm:effectClrLst/>
-    <dgm:txLinClrLst/>
-    <dgm:txFillClrLst meth="repeat">
-      <a:schemeClr val="lt1"/>
-    </dgm:txFillClrLst>
-    <dgm:txEffectClrLst/>
-  </dgm:styleLbl>
-  <dgm:styleLbl name="fgShp">
-    <dgm:fillClrLst meth="repeat">
-      <a:schemeClr val="accent1">
-        <a:tint val="60000"/>
-      </a:schemeClr>
-    </dgm:fillClrLst>
-    <dgm:linClrLst meth="repeat">
-      <a:schemeClr val="lt1"/>
-    </dgm:linClrLst>
-    <dgm:effectClrLst/>
-    <dgm:txLinClrLst/>
-    <dgm:txFillClrLst meth="repeat">
-      <a:schemeClr val="dk1"/>
-    </dgm:txFillClrLst>
-    <dgm:txEffectClrLst/>
-  </dgm:styleLbl>
-  <dgm:styleLbl name="revTx">
-    <dgm:fillClrLst meth="repeat">
-      <a:schemeClr val="lt1">
-        <a:alpha val="0"/>
-      </a:schemeClr>
-    </dgm:fillClrLst>
-    <dgm:linClrLst meth="repeat">
-      <a:schemeClr val="dk1">
-        <a:alpha val="0"/>
-      </a:schemeClr>
-    </dgm:linClrLst>
-    <dgm:effectClrLst/>
-    <dgm:txLinClrLst/>
-    <dgm:txFillClrLst meth="repeat">
-      <a:schemeClr val="tx1"/>
-    </dgm:txFillClrLst>
-    <dgm:txEffectClrLst/>
-  </dgm:styleLbl>
-</dgm:colorsDef>
-</file>
-
-<file path=ppt/diagrams/data1.xml><?xml version="1.0" encoding="utf-8"?>
-<dgm:dataModel xmlns:dgm="http://schemas.openxmlformats.org/drawingml/2006/diagram" xmlns:a="http://schemas.openxmlformats.org/drawingml/2006/main">
-  <dgm:ptLst>
-    <dgm:pt modelId="{27FFF153-B18B-1049-8198-600BBF2009C1}" type="doc">
-      <dgm:prSet loTypeId="urn:microsoft.com/office/officeart/2005/8/layout/list1" loCatId="" qsTypeId="urn:microsoft.com/office/officeart/2005/8/quickstyle/simple1" qsCatId="simple" csTypeId="urn:microsoft.com/office/officeart/2005/8/colors/accent1_2" csCatId="accent1" phldr="1"/>
-      <dgm:spPr/>
-      <dgm:t>
-        <a:bodyPr/>
-        <a:lstStyle/>
-        <a:p>
-          <a:endParaRPr lang="en-US"/>
-        </a:p>
-      </dgm:t>
-    </dgm:pt>
-    <dgm:pt modelId="{D065AFE0-DFA7-E64B-B6A5-6336672DB48F}">
-      <dgm:prSet phldrT="[Text]"/>
-      <dgm:spPr/>
-      <dgm:t>
-        <a:bodyPr/>
-        <a:lstStyle/>
-        <a:p>
-          <a:r>
-            <a:rPr lang="en-US" dirty="0"/>
-            <a:t>If lifetime &lt; 15: aux-</a:t>
-          </a:r>
-        </a:p>
-      </dgm:t>
-    </dgm:pt>
-    <dgm:pt modelId="{B0025B6C-1F37-A24D-A1CF-990557099C6B}" type="parTrans" cxnId="{74AE048C-83FB-6D48-BE36-2BBC6E21C8D3}">
-      <dgm:prSet/>
-      <dgm:spPr/>
-      <dgm:t>
-        <a:bodyPr/>
-        <a:lstStyle/>
-        <a:p>
-          <a:endParaRPr lang="en-US"/>
-        </a:p>
-      </dgm:t>
-    </dgm:pt>
-    <dgm:pt modelId="{CB41026F-478B-3440-8C1F-837B55D6EF06}" type="sibTrans" cxnId="{74AE048C-83FB-6D48-BE36-2BBC6E21C8D3}">
-      <dgm:prSet/>
-      <dgm:spPr/>
-      <dgm:t>
-        <a:bodyPr/>
-        <a:lstStyle/>
-        <a:p>
-          <a:endParaRPr lang="en-US"/>
-        </a:p>
-      </dgm:t>
-    </dgm:pt>
-    <dgm:pt modelId="{C399BD27-D357-1443-9020-38807989A8CC}">
-      <dgm:prSet phldrT="[Text]"/>
-      <dgm:spPr/>
-      <dgm:t>
-        <a:bodyPr/>
-        <a:lstStyle/>
-        <a:p>
-          <a:r>
-            <a:rPr lang="en-US" dirty="0"/>
-            <a:t>If lifetime &gt; 161: aux+</a:t>
-          </a:r>
-        </a:p>
-      </dgm:t>
-    </dgm:pt>
-    <dgm:pt modelId="{BA4D2DCB-544B-BE4B-9DB0-BBB305F73314}" type="parTrans" cxnId="{AF4E782C-F4B5-3A43-8CEA-3BD50A7AFE01}">
-      <dgm:prSet/>
-      <dgm:spPr/>
-      <dgm:t>
-        <a:bodyPr/>
-        <a:lstStyle/>
-        <a:p>
-          <a:endParaRPr lang="en-US"/>
-        </a:p>
-      </dgm:t>
-    </dgm:pt>
-    <dgm:pt modelId="{99ED02FF-CF42-FD48-BF70-6277486C532B}" type="sibTrans" cxnId="{AF4E782C-F4B5-3A43-8CEA-3BD50A7AFE01}">
-      <dgm:prSet/>
-      <dgm:spPr/>
-      <dgm:t>
-        <a:bodyPr/>
-        <a:lstStyle/>
-        <a:p>
-          <a:endParaRPr lang="en-US"/>
-        </a:p>
-      </dgm:t>
-    </dgm:pt>
-    <dgm:pt modelId="{C53B8CE9-F0E6-8841-BF75-C43244585974}" type="pres">
-      <dgm:prSet presAssocID="{27FFF153-B18B-1049-8198-600BBF2009C1}" presName="linear" presStyleCnt="0">
-        <dgm:presLayoutVars>
-          <dgm:dir/>
-          <dgm:animLvl val="lvl"/>
-          <dgm:resizeHandles val="exact"/>
-        </dgm:presLayoutVars>
-      </dgm:prSet>
-      <dgm:spPr/>
-    </dgm:pt>
-    <dgm:pt modelId="{BC7EFF45-F75C-2B4C-A233-CACB5232A2D4}" type="pres">
-      <dgm:prSet presAssocID="{D065AFE0-DFA7-E64B-B6A5-6336672DB48F}" presName="parentLin" presStyleCnt="0"/>
-      <dgm:spPr/>
-    </dgm:pt>
-    <dgm:pt modelId="{DA8DEF1D-1FFC-B545-B86C-EF553866F8A0}" type="pres">
-      <dgm:prSet presAssocID="{D065AFE0-DFA7-E64B-B6A5-6336672DB48F}" presName="parentLeftMargin" presStyleLbl="node1" presStyleIdx="0" presStyleCnt="2"/>
-      <dgm:spPr/>
-    </dgm:pt>
-    <dgm:pt modelId="{CAF06BA8-A2F1-E442-BBD6-08BF3406B168}" type="pres">
-      <dgm:prSet presAssocID="{D065AFE0-DFA7-E64B-B6A5-6336672DB48F}" presName="parentText" presStyleLbl="node1" presStyleIdx="0" presStyleCnt="2">
-        <dgm:presLayoutVars>
-          <dgm:chMax val="0"/>
-          <dgm:bulletEnabled val="1"/>
-        </dgm:presLayoutVars>
-      </dgm:prSet>
-      <dgm:spPr/>
-    </dgm:pt>
-    <dgm:pt modelId="{ADC7110A-EB2F-1A4F-B0CF-7B93AC2013CE}" type="pres">
-      <dgm:prSet presAssocID="{D065AFE0-DFA7-E64B-B6A5-6336672DB48F}" presName="negativeSpace" presStyleCnt="0"/>
-      <dgm:spPr/>
-    </dgm:pt>
-    <dgm:pt modelId="{139232A1-9FCF-7543-8FCF-4BFDDD36E52A}" type="pres">
-      <dgm:prSet presAssocID="{D065AFE0-DFA7-E64B-B6A5-6336672DB48F}" presName="childText" presStyleLbl="conFgAcc1" presStyleIdx="0" presStyleCnt="2">
-        <dgm:presLayoutVars>
-          <dgm:bulletEnabled val="1"/>
-        </dgm:presLayoutVars>
-      </dgm:prSet>
-      <dgm:spPr/>
-    </dgm:pt>
-    <dgm:pt modelId="{AFC31C6C-2860-6544-B1F9-62D688E18438}" type="pres">
-      <dgm:prSet presAssocID="{CB41026F-478B-3440-8C1F-837B55D6EF06}" presName="spaceBetweenRectangles" presStyleCnt="0"/>
-      <dgm:spPr/>
-    </dgm:pt>
-    <dgm:pt modelId="{EDF6ABB8-1597-C240-9A93-359FBFAAFD73}" type="pres">
-      <dgm:prSet presAssocID="{C399BD27-D357-1443-9020-38807989A8CC}" presName="parentLin" presStyleCnt="0"/>
-      <dgm:spPr/>
-    </dgm:pt>
-    <dgm:pt modelId="{C52A3112-9275-E647-B322-8190539D2CD4}" type="pres">
-      <dgm:prSet presAssocID="{C399BD27-D357-1443-9020-38807989A8CC}" presName="parentLeftMargin" presStyleLbl="node1" presStyleIdx="0" presStyleCnt="2"/>
-      <dgm:spPr/>
-    </dgm:pt>
-    <dgm:pt modelId="{3264E624-3FCC-FC40-88C1-C62FD866389B}" type="pres">
-      <dgm:prSet presAssocID="{C399BD27-D357-1443-9020-38807989A8CC}" presName="parentText" presStyleLbl="node1" presStyleIdx="1" presStyleCnt="2">
-        <dgm:presLayoutVars>
-          <dgm:chMax val="0"/>
-          <dgm:bulletEnabled val="1"/>
-        </dgm:presLayoutVars>
-      </dgm:prSet>
-      <dgm:spPr/>
-    </dgm:pt>
-    <dgm:pt modelId="{7CB9972F-8648-724F-A9C3-8FCE8E4AE400}" type="pres">
-      <dgm:prSet presAssocID="{C399BD27-D357-1443-9020-38807989A8CC}" presName="negativeSpace" presStyleCnt="0"/>
-      <dgm:spPr/>
-    </dgm:pt>
-    <dgm:pt modelId="{B087BACF-6553-BB48-90FE-2102D47A7346}" type="pres">
-      <dgm:prSet presAssocID="{C399BD27-D357-1443-9020-38807989A8CC}" presName="childText" presStyleLbl="conFgAcc1" presStyleIdx="1" presStyleCnt="2">
-        <dgm:presLayoutVars>
-          <dgm:bulletEnabled val="1"/>
-        </dgm:presLayoutVars>
-      </dgm:prSet>
-      <dgm:spPr/>
-    </dgm:pt>
-  </dgm:ptLst>
-  <dgm:cxnLst>
-    <dgm:cxn modelId="{AF4E782C-F4B5-3A43-8CEA-3BD50A7AFE01}" srcId="{27FFF153-B18B-1049-8198-600BBF2009C1}" destId="{C399BD27-D357-1443-9020-38807989A8CC}" srcOrd="1" destOrd="0" parTransId="{BA4D2DCB-544B-BE4B-9DB0-BBB305F73314}" sibTransId="{99ED02FF-CF42-FD48-BF70-6277486C532B}"/>
-    <dgm:cxn modelId="{F66A517B-0622-1A48-B0CC-20E511680FEE}" type="presOf" srcId="{C399BD27-D357-1443-9020-38807989A8CC}" destId="{C52A3112-9275-E647-B322-8190539D2CD4}" srcOrd="0" destOrd="0" presId="urn:microsoft.com/office/officeart/2005/8/layout/list1"/>
-    <dgm:cxn modelId="{74AE048C-83FB-6D48-BE36-2BBC6E21C8D3}" srcId="{27FFF153-B18B-1049-8198-600BBF2009C1}" destId="{D065AFE0-DFA7-E64B-B6A5-6336672DB48F}" srcOrd="0" destOrd="0" parTransId="{B0025B6C-1F37-A24D-A1CF-990557099C6B}" sibTransId="{CB41026F-478B-3440-8C1F-837B55D6EF06}"/>
-    <dgm:cxn modelId="{A1E6DEAD-764F-C34E-9FD1-1E065DA69BDD}" type="presOf" srcId="{D065AFE0-DFA7-E64B-B6A5-6336672DB48F}" destId="{DA8DEF1D-1FFC-B545-B86C-EF553866F8A0}" srcOrd="0" destOrd="0" presId="urn:microsoft.com/office/officeart/2005/8/layout/list1"/>
-    <dgm:cxn modelId="{C9F44CB4-1B64-9E49-961B-26D2AF9B20B4}" type="presOf" srcId="{C399BD27-D357-1443-9020-38807989A8CC}" destId="{3264E624-3FCC-FC40-88C1-C62FD866389B}" srcOrd="1" destOrd="0" presId="urn:microsoft.com/office/officeart/2005/8/layout/list1"/>
-    <dgm:cxn modelId="{75FC30B7-2DC0-484F-8F27-4A101FB3E66B}" type="presOf" srcId="{27FFF153-B18B-1049-8198-600BBF2009C1}" destId="{C53B8CE9-F0E6-8841-BF75-C43244585974}" srcOrd="0" destOrd="0" presId="urn:microsoft.com/office/officeart/2005/8/layout/list1"/>
-    <dgm:cxn modelId="{02C137D8-F91D-8246-B04F-1DA5ABC1A345}" type="presOf" srcId="{D065AFE0-DFA7-E64B-B6A5-6336672DB48F}" destId="{CAF06BA8-A2F1-E442-BBD6-08BF3406B168}" srcOrd="1" destOrd="0" presId="urn:microsoft.com/office/officeart/2005/8/layout/list1"/>
-    <dgm:cxn modelId="{8F35069B-559B-9D46-A887-E7C7909361CF}" type="presParOf" srcId="{C53B8CE9-F0E6-8841-BF75-C43244585974}" destId="{BC7EFF45-F75C-2B4C-A233-CACB5232A2D4}" srcOrd="0" destOrd="0" presId="urn:microsoft.com/office/officeart/2005/8/layout/list1"/>
-    <dgm:cxn modelId="{58483471-68D1-0541-B04F-B8BA7F2FADDA}" type="presParOf" srcId="{BC7EFF45-F75C-2B4C-A233-CACB5232A2D4}" destId="{DA8DEF1D-1FFC-B545-B86C-EF553866F8A0}" srcOrd="0" destOrd="0" presId="urn:microsoft.com/office/officeart/2005/8/layout/list1"/>
-    <dgm:cxn modelId="{29FFBE8B-BEAC-3446-B935-EF3061575253}" type="presParOf" srcId="{BC7EFF45-F75C-2B4C-A233-CACB5232A2D4}" destId="{CAF06BA8-A2F1-E442-BBD6-08BF3406B168}" srcOrd="1" destOrd="0" presId="urn:microsoft.com/office/officeart/2005/8/layout/list1"/>
-    <dgm:cxn modelId="{970C2B59-75F8-344E-B302-E5BD17130D0B}" type="presParOf" srcId="{C53B8CE9-F0E6-8841-BF75-C43244585974}" destId="{ADC7110A-EB2F-1A4F-B0CF-7B93AC2013CE}" srcOrd="1" destOrd="0" presId="urn:microsoft.com/office/officeart/2005/8/layout/list1"/>
-    <dgm:cxn modelId="{6EDB08EC-E634-E441-BE9F-D0C7D54599DC}" type="presParOf" srcId="{C53B8CE9-F0E6-8841-BF75-C43244585974}" destId="{139232A1-9FCF-7543-8FCF-4BFDDD36E52A}" srcOrd="2" destOrd="0" presId="urn:microsoft.com/office/officeart/2005/8/layout/list1"/>
-    <dgm:cxn modelId="{D6818C52-F2CF-404D-B9B9-C00D29FCFC0C}" type="presParOf" srcId="{C53B8CE9-F0E6-8841-BF75-C43244585974}" destId="{AFC31C6C-2860-6544-B1F9-62D688E18438}" srcOrd="3" destOrd="0" presId="urn:microsoft.com/office/officeart/2005/8/layout/list1"/>
-    <dgm:cxn modelId="{4E27E754-313E-EE4D-BD71-C4C6C7CE0EC8}" type="presParOf" srcId="{C53B8CE9-F0E6-8841-BF75-C43244585974}" destId="{EDF6ABB8-1597-C240-9A93-359FBFAAFD73}" srcOrd="4" destOrd="0" presId="urn:microsoft.com/office/officeart/2005/8/layout/list1"/>
-    <dgm:cxn modelId="{4C4D89D5-E01D-DB4D-B0F6-1D811B6F6ED5}" type="presParOf" srcId="{EDF6ABB8-1597-C240-9A93-359FBFAAFD73}" destId="{C52A3112-9275-E647-B322-8190539D2CD4}" srcOrd="0" destOrd="0" presId="urn:microsoft.com/office/officeart/2005/8/layout/list1"/>
-    <dgm:cxn modelId="{0E9FCDBE-58C9-9D4A-A6DB-6F3CB41990B2}" type="presParOf" srcId="{EDF6ABB8-1597-C240-9A93-359FBFAAFD73}" destId="{3264E624-3FCC-FC40-88C1-C62FD866389B}" srcOrd="1" destOrd="0" presId="urn:microsoft.com/office/officeart/2005/8/layout/list1"/>
-    <dgm:cxn modelId="{8058BCF5-20E6-C349-A39B-22FBBD5EF73F}" type="presParOf" srcId="{C53B8CE9-F0E6-8841-BF75-C43244585974}" destId="{7CB9972F-8648-724F-A9C3-8FCE8E4AE400}" srcOrd="5" destOrd="0" presId="urn:microsoft.com/office/officeart/2005/8/layout/list1"/>
-    <dgm:cxn modelId="{D966C126-956C-CD44-B94A-9E2CCBB810DF}" type="presParOf" srcId="{C53B8CE9-F0E6-8841-BF75-C43244585974}" destId="{B087BACF-6553-BB48-90FE-2102D47A7346}" srcOrd="6" destOrd="0" presId="urn:microsoft.com/office/officeart/2005/8/layout/list1"/>
-  </dgm:cxnLst>
-  <dgm:bg/>
-  <dgm:whole/>
-  <dgm:extLst>
-    <a:ext uri="http://schemas.microsoft.com/office/drawing/2008/diagram">
-      <dsp:dataModelExt xmlns:dsp="http://schemas.microsoft.com/office/drawing/2008/diagram" relId="rId13" minVer="http://schemas.openxmlformats.org/drawingml/2006/diagram"/>
-    </a:ext>
-  </dgm:extLst>
-</dgm:dataModel>
-</file>
-
-<file path=ppt/diagrams/drawing1.xml><?xml version="1.0" encoding="utf-8"?>
-<dsp:drawing xmlns:dgm="http://schemas.openxmlformats.org/drawingml/2006/diagram" xmlns:dsp="http://schemas.microsoft.com/office/drawing/2008/diagram" xmlns:a="http://schemas.openxmlformats.org/drawingml/2006/main">
-  <dsp:spTree>
-    <dsp:nvGrpSpPr>
-      <dsp:cNvPr id="0" name=""/>
-      <dsp:cNvGrpSpPr/>
-    </dsp:nvGrpSpPr>
-    <dsp:grpSpPr/>
-    <dsp:sp modelId="{139232A1-9FCF-7543-8FCF-4BFDDD36E52A}">
-      <dsp:nvSpPr>
-        <dsp:cNvPr id="0" name=""/>
-        <dsp:cNvSpPr/>
-      </dsp:nvSpPr>
-      <dsp:spPr>
-        <a:xfrm>
-          <a:off x="0" y="349640"/>
-          <a:ext cx="1885921" cy="252000"/>
-        </a:xfrm>
-        <a:prstGeom prst="rect">
-          <a:avLst/>
-        </a:prstGeom>
-        <a:solidFill>
-          <a:schemeClr val="lt1">
-            <a:alpha val="90000"/>
-            <a:hueOff val="0"/>
-            <a:satOff val="0"/>
-            <a:lumOff val="0"/>
-            <a:alphaOff val="0"/>
-          </a:schemeClr>
-        </a:solidFill>
-        <a:ln w="12700" cap="flat" cmpd="sng" algn="ctr">
-          <a:solidFill>
-            <a:schemeClr val="accent1">
-              <a:hueOff val="0"/>
-              <a:satOff val="0"/>
-              <a:lumOff val="0"/>
-              <a:alphaOff val="0"/>
-            </a:schemeClr>
-          </a:solidFill>
-          <a:prstDash val="solid"/>
-          <a:miter lim="800000"/>
-        </a:ln>
-        <a:effectLst/>
-      </dsp:spPr>
-      <dsp:style>
-        <a:lnRef idx="2">
-          <a:scrgbClr r="0" g="0" b="0"/>
-        </a:lnRef>
-        <a:fillRef idx="1">
-          <a:scrgbClr r="0" g="0" b="0"/>
-        </a:fillRef>
-        <a:effectRef idx="0">
-          <a:scrgbClr r="0" g="0" b="0"/>
-        </a:effectRef>
-        <a:fontRef idx="minor"/>
-      </dsp:style>
-    </dsp:sp>
-    <dsp:sp modelId="{CAF06BA8-A2F1-E442-BBD6-08BF3406B168}">
-      <dsp:nvSpPr>
-        <dsp:cNvPr id="0" name=""/>
-        <dsp:cNvSpPr/>
-      </dsp:nvSpPr>
-      <dsp:spPr>
-        <a:xfrm>
-          <a:off x="94296" y="202040"/>
-          <a:ext cx="1320144" cy="295200"/>
-        </a:xfrm>
-        <a:prstGeom prst="roundRect">
-          <a:avLst/>
-        </a:prstGeom>
-        <a:solidFill>
-          <a:schemeClr val="accent1">
-            <a:hueOff val="0"/>
-            <a:satOff val="0"/>
-            <a:lumOff val="0"/>
-            <a:alphaOff val="0"/>
-          </a:schemeClr>
-        </a:solidFill>
-        <a:ln w="12700" cap="flat" cmpd="sng" algn="ctr">
-          <a:solidFill>
-            <a:schemeClr val="lt1">
-              <a:hueOff val="0"/>
-              <a:satOff val="0"/>
-              <a:lumOff val="0"/>
-              <a:alphaOff val="0"/>
-            </a:schemeClr>
-          </a:solidFill>
-          <a:prstDash val="solid"/>
-          <a:miter lim="800000"/>
-        </a:ln>
-        <a:effectLst/>
-      </dsp:spPr>
-      <dsp:style>
-        <a:lnRef idx="2">
-          <a:scrgbClr r="0" g="0" b="0"/>
-        </a:lnRef>
-        <a:fillRef idx="1">
-          <a:scrgbClr r="0" g="0" b="0"/>
-        </a:fillRef>
-        <a:effectRef idx="0">
-          <a:scrgbClr r="0" g="0" b="0"/>
-        </a:effectRef>
-        <a:fontRef idx="minor">
-          <a:schemeClr val="lt1"/>
-        </a:fontRef>
-      </dsp:style>
-      <dsp:txBody>
-        <a:bodyPr spcFirstLastPara="0" vert="horz" wrap="square" lIns="49898" tIns="0" rIns="49898" bIns="0" numCol="1" spcCol="1270" anchor="ctr" anchorCtr="0">
-          <a:noAutofit/>
-        </a:bodyPr>
-        <a:lstStyle/>
-        <a:p>
-          <a:pPr marL="0" lvl="0" indent="0" algn="l" defTabSz="444500">
-            <a:lnSpc>
-              <a:spcPct val="90000"/>
-            </a:lnSpc>
-            <a:spcBef>
-              <a:spcPct val="0"/>
-            </a:spcBef>
-            <a:spcAft>
-              <a:spcPct val="35000"/>
-            </a:spcAft>
-            <a:buNone/>
-          </a:pPr>
-          <a:r>
-            <a:rPr lang="en-US" sz="1000" kern="1200" dirty="0"/>
-            <a:t>If lifetime &lt; 15: aux-</a:t>
-          </a:r>
-        </a:p>
-      </dsp:txBody>
-      <dsp:txXfrm>
-        <a:off x="108706" y="216450"/>
-        <a:ext cx="1291324" cy="266380"/>
-      </dsp:txXfrm>
-    </dsp:sp>
-    <dsp:sp modelId="{B087BACF-6553-BB48-90FE-2102D47A7346}">
-      <dsp:nvSpPr>
-        <dsp:cNvPr id="0" name=""/>
-        <dsp:cNvSpPr/>
-      </dsp:nvSpPr>
-      <dsp:spPr>
-        <a:xfrm>
-          <a:off x="0" y="803240"/>
-          <a:ext cx="1885921" cy="252000"/>
-        </a:xfrm>
-        <a:prstGeom prst="rect">
-          <a:avLst/>
-        </a:prstGeom>
-        <a:solidFill>
-          <a:schemeClr val="lt1">
-            <a:alpha val="90000"/>
-            <a:hueOff val="0"/>
-            <a:satOff val="0"/>
-            <a:lumOff val="0"/>
-            <a:alphaOff val="0"/>
-          </a:schemeClr>
-        </a:solidFill>
-        <a:ln w="12700" cap="flat" cmpd="sng" algn="ctr">
-          <a:solidFill>
-            <a:schemeClr val="accent1">
-              <a:hueOff val="0"/>
-              <a:satOff val="0"/>
-              <a:lumOff val="0"/>
-              <a:alphaOff val="0"/>
-            </a:schemeClr>
-          </a:solidFill>
-          <a:prstDash val="solid"/>
-          <a:miter lim="800000"/>
-        </a:ln>
-        <a:effectLst/>
-      </dsp:spPr>
-      <dsp:style>
-        <a:lnRef idx="2">
-          <a:scrgbClr r="0" g="0" b="0"/>
-        </a:lnRef>
-        <a:fillRef idx="1">
-          <a:scrgbClr r="0" g="0" b="0"/>
-        </a:fillRef>
-        <a:effectRef idx="0">
-          <a:scrgbClr r="0" g="0" b="0"/>
-        </a:effectRef>
-        <a:fontRef idx="minor"/>
-      </dsp:style>
-    </dsp:sp>
-    <dsp:sp modelId="{3264E624-3FCC-FC40-88C1-C62FD866389B}">
-      <dsp:nvSpPr>
-        <dsp:cNvPr id="0" name=""/>
-        <dsp:cNvSpPr/>
-      </dsp:nvSpPr>
-      <dsp:spPr>
-        <a:xfrm>
-          <a:off x="94296" y="655640"/>
-          <a:ext cx="1320144" cy="295200"/>
-        </a:xfrm>
-        <a:prstGeom prst="roundRect">
-          <a:avLst/>
-        </a:prstGeom>
-        <a:solidFill>
-          <a:schemeClr val="accent1">
-            <a:hueOff val="0"/>
-            <a:satOff val="0"/>
-            <a:lumOff val="0"/>
-            <a:alphaOff val="0"/>
-          </a:schemeClr>
-        </a:solidFill>
-        <a:ln w="12700" cap="flat" cmpd="sng" algn="ctr">
-          <a:solidFill>
-            <a:schemeClr val="lt1">
-              <a:hueOff val="0"/>
-              <a:satOff val="0"/>
-              <a:lumOff val="0"/>
-              <a:alphaOff val="0"/>
-            </a:schemeClr>
-          </a:solidFill>
-          <a:prstDash val="solid"/>
-          <a:miter lim="800000"/>
-        </a:ln>
-        <a:effectLst/>
-      </dsp:spPr>
-      <dsp:style>
-        <a:lnRef idx="2">
-          <a:scrgbClr r="0" g="0" b="0"/>
-        </a:lnRef>
-        <a:fillRef idx="1">
-          <a:scrgbClr r="0" g="0" b="0"/>
-        </a:fillRef>
-        <a:effectRef idx="0">
-          <a:scrgbClr r="0" g="0" b="0"/>
-        </a:effectRef>
-        <a:fontRef idx="minor">
-          <a:schemeClr val="lt1"/>
-        </a:fontRef>
-      </dsp:style>
-      <dsp:txBody>
-        <a:bodyPr spcFirstLastPara="0" vert="horz" wrap="square" lIns="49898" tIns="0" rIns="49898" bIns="0" numCol="1" spcCol="1270" anchor="ctr" anchorCtr="0">
-          <a:noAutofit/>
-        </a:bodyPr>
-        <a:lstStyle/>
-        <a:p>
-          <a:pPr marL="0" lvl="0" indent="0" algn="l" defTabSz="444500">
-            <a:lnSpc>
-              <a:spcPct val="90000"/>
-            </a:lnSpc>
-            <a:spcBef>
-              <a:spcPct val="0"/>
-            </a:spcBef>
-            <a:spcAft>
-              <a:spcPct val="35000"/>
-            </a:spcAft>
-            <a:buNone/>
-          </a:pPr>
-          <a:r>
-            <a:rPr lang="en-US" sz="1000" kern="1200" dirty="0"/>
-            <a:t>If lifetime &gt; 161: aux+</a:t>
-          </a:r>
-        </a:p>
-      </dsp:txBody>
-      <dsp:txXfrm>
-        <a:off x="108706" y="670050"/>
-        <a:ext cx="1291324" cy="266380"/>
-      </dsp:txXfrm>
-    </dsp:sp>
-  </dsp:spTree>
-</dsp:drawing>
-</file>
-
-<file path=ppt/diagrams/layout1.xml><?xml version="1.0" encoding="utf-8"?>
-<dgm:layoutDef xmlns:dgm="http://schemas.openxmlformats.org/drawingml/2006/diagram" xmlns:a="http://schemas.openxmlformats.org/drawingml/2006/main" uniqueId="urn:microsoft.com/office/officeart/2005/8/layout/list1">
-  <dgm:title val=""/>
-  <dgm:desc val=""/>
-  <dgm:catLst>
-    <dgm:cat type="list" pri="4000"/>
-  </dgm:catLst>
-  <dgm:sampData>
-    <dgm:dataModel>
-      <dgm:ptLst>
-        <dgm:pt modelId="0" type="doc"/>
-        <dgm:pt modelId="1">
-          <dgm:prSet phldr="1"/>
-        </dgm:pt>
-        <dgm:pt modelId="2">
-          <dgm:prSet phldr="1"/>
-        </dgm:pt>
-        <dgm:pt modelId="3">
-          <dgm:prSet phldr="1"/>
-        </dgm:pt>
-      </dgm:ptLst>
-      <dgm:cxnLst>
-        <dgm:cxn modelId="4" srcId="0" destId="1" srcOrd="0" destOrd="0"/>
-        <dgm:cxn modelId="5" srcId="0" destId="2" srcOrd="1" destOrd="0"/>
-        <dgm:cxn modelId="6" srcId="0" destId="3" srcOrd="2" destOrd="0"/>
-      </dgm:cxnLst>
-      <dgm:bg/>
-      <dgm:whole/>
-    </dgm:dataModel>
-  </dgm:sampData>
-  <dgm:styleData>
-    <dgm:dataModel>
-      <dgm:ptLst>
-        <dgm:pt modelId="0" type="doc"/>
-        <dgm:pt modelId="1"/>
-        <dgm:pt modelId="2"/>
-      </dgm:ptLst>
-      <dgm:cxnLst>
-        <dgm:cxn modelId="4" srcId="0" destId="1" srcOrd="0" destOrd="0"/>
-        <dgm:cxn modelId="5" srcId="0" destId="2" srcOrd="1" destOrd="0"/>
-      </dgm:cxnLst>
-      <dgm:bg/>
-      <dgm:whole/>
-    </dgm:dataModel>
-  </dgm:styleData>
-  <dgm:clrData>
-    <dgm:dataModel>
-      <dgm:ptLst>
-        <dgm:pt modelId="0" type="doc"/>
-        <dgm:pt modelId="1"/>
-        <dgm:pt modelId="2"/>
-        <dgm:pt modelId="3"/>
-        <dgm:pt modelId="4"/>
-      </dgm:ptLst>
-      <dgm:cxnLst>
-        <dgm:cxn modelId="5" srcId="0" destId="1" srcOrd="0" destOrd="0"/>
-        <dgm:cxn modelId="6" srcId="0" destId="2" srcOrd="1" destOrd="0"/>
-        <dgm:cxn modelId="7" srcId="0" destId="3" srcOrd="2" destOrd="0"/>
-        <dgm:cxn modelId="8" srcId="0" destId="4" srcOrd="3" destOrd="0"/>
-      </dgm:cxnLst>
-      <dgm:bg/>
-      <dgm:whole/>
-    </dgm:dataModel>
-  </dgm:clrData>
-  <dgm:layoutNode name="linear">
-    <dgm:varLst>
-      <dgm:dir/>
-      <dgm:animLvl val="lvl"/>
-      <dgm:resizeHandles val="exact"/>
-    </dgm:varLst>
-    <dgm:choose name="Name0">
-      <dgm:if name="Name1" func="var" arg="dir" op="equ" val="norm">
-        <dgm:alg type="lin">
-          <dgm:param type="linDir" val="fromT"/>
-          <dgm:param type="vertAlign" val="mid"/>
-          <dgm:param type="horzAlign" val="l"/>
-          <dgm:param type="nodeHorzAlign" val="l"/>
-        </dgm:alg>
-      </dgm:if>
-      <dgm:else name="Name2">
-        <dgm:alg type="lin">
-          <dgm:param type="linDir" val="fromT"/>
-          <dgm:param type="vertAlign" val="mid"/>
-          <dgm:param type="horzAlign" val="r"/>
-          <dgm:param type="nodeHorzAlign" val="r"/>
-        </dgm:alg>
-      </dgm:else>
-    </dgm:choose>
-    <dgm:shape xmlns:r="http://schemas.openxmlformats.org/officeDocument/2006/relationships" r:blip="">
-      <dgm:adjLst/>
-    </dgm:shape>
-    <dgm:presOf/>
-    <dgm:constrLst>
-      <dgm:constr type="w" for="ch" forName="parentLin" refType="w"/>
-      <dgm:constr type="h" for="ch" forName="parentLin" val="INF"/>
-      <dgm:constr type="w" for="des" forName="parentLeftMargin" refType="w" fact="0.05"/>
-      <dgm:constr type="w" for="des" forName="parentText" refType="w" fact="0.7"/>
-      <dgm:constr type="h" for="des" forName="parentText" refType="primFontSz" refFor="des" refForName="parentText" fact="0.82"/>
-      <dgm:constr type="h" for="ch" forName="negativeSpace" refType="primFontSz" refFor="des" refForName="parentText" fact="-0.41"/>
-      <dgm:constr type="h" for="ch" forName="negativeSpace" refType="h" refFor="des" refForName="parentText" op="lte" fact="-0.82"/>
-      <dgm:constr type="h" for="ch" forName="negativeSpace" refType="h" refFor="des" refForName="parentText" op="gte" fact="-0.82"/>
-      <dgm:constr type="w" for="ch" forName="childText" refType="w"/>
-      <dgm:constr type="h" for="ch" forName="childText" refType="primFontSz" refFor="des" refForName="parentText" fact="0.7"/>
-      <dgm:constr type="primFontSz" for="des" forName="parentText" val="65"/>
-      <dgm:constr type="primFontSz" for="ch" forName="childText" refType="primFontSz" refFor="des" refForName="parentText"/>
-      <dgm:constr type="tMarg" for="ch" forName="childText" refType="primFontSz" refFor="des" refForName="parentText" fact="1.64"/>
-      <dgm:constr type="tMarg" for="ch" forName="childText" refType="h" refFor="des" refForName="parentText" op="lte" fact="3.28"/>
-      <dgm:constr type="tMarg" for="ch" forName="childText" refType="h" refFor="des" refForName="parentText" op="gte" fact="3.28"/>
-      <dgm:constr type="lMarg" for="ch" forName="childText" refType="w" fact="0.22"/>
-      <dgm:constr type="rMarg" for="ch" forName="childText" refType="lMarg" refFor="ch" refForName="childText"/>
-      <dgm:constr type="lMarg" for="des" forName="parentText" refType="w" fact="0.075"/>
-      <dgm:constr type="rMarg" for="des" forName="parentText" refType="lMarg" refFor="des" refForName="parentText"/>
-      <dgm:constr type="h" for="ch" forName="spaceBetweenRectangles" refType="primFontSz" refFor="des" refForName="parentText" fact="0.15"/>
-    </dgm:constrLst>
-    <dgm:ruleLst>
-      <dgm:rule type="primFontSz" for="des" forName="parentText" val="5" fact="NaN" max="NaN"/>
-    </dgm:ruleLst>
-    <dgm:forEach name="Name3" axis="ch" ptType="node">
-      <dgm:layoutNode name="parentLin">
-        <dgm:choose name="Name4">
-          <dgm:if name="Name5" func="var" arg="dir" op="equ" val="norm">
-            <dgm:alg type="lin">
-              <dgm:param type="linDir" val="fromL"/>
-              <dgm:param type="horzAlign" val="l"/>
-              <dgm:param type="nodeHorzAlign" val="l"/>
-            </dgm:alg>
-          </dgm:if>
-          <dgm:else name="Name6">
-            <dgm:alg type="lin">
-              <dgm:param type="linDir" val="fromR"/>
-              <dgm:param type="horzAlign" val="r"/>
-              <dgm:param type="nodeHorzAlign" val="r"/>
-            </dgm:alg>
-          </dgm:else>
-        </dgm:choose>
-        <dgm:shape xmlns:r="http://schemas.openxmlformats.org/officeDocument/2006/relationships" r:blip="">
-          <dgm:adjLst/>
-        </dgm:shape>
-        <dgm:presOf/>
-        <dgm:constrLst/>
-        <dgm:ruleLst/>
-        <dgm:layoutNode name="parentLeftMargin">
-          <dgm:alg type="sp"/>
-          <dgm:shape xmlns:r="http://schemas.openxmlformats.org/officeDocument/2006/relationships" type="rect" r:blip="" hideGeom="1">
-            <dgm:adjLst/>
-          </dgm:shape>
-          <dgm:presOf axis="self"/>
-          <dgm:constrLst>
-            <dgm:constr type="h"/>
-          </dgm:constrLst>
-          <dgm:ruleLst/>
-        </dgm:layoutNode>
-        <dgm:layoutNode name="parentText" styleLbl="node1">
-          <dgm:varLst>
-            <dgm:chMax val="0"/>
-            <dgm:bulletEnabled val="1"/>
-          </dgm:varLst>
-          <dgm:choose name="Name7">
-            <dgm:if name="Name8" func="var" arg="dir" op="equ" val="norm">
-              <dgm:alg type="tx">
-                <dgm:param type="parTxLTRAlign" val="l"/>
-                <dgm:param type="parTxRTLAlign" val="l"/>
-              </dgm:alg>
-            </dgm:if>
-            <dgm:else name="Name9">
-              <dgm:alg type="tx">
-                <dgm:param type="parTxLTRAlign" val="r"/>
-                <dgm:param type="parTxRTLAlign" val="r"/>
-              </dgm:alg>
-            </dgm:else>
-          </dgm:choose>
-          <dgm:shape xmlns:r="http://schemas.openxmlformats.org/officeDocument/2006/relationships" type="roundRect" r:blip="">
-            <dgm:adjLst/>
-          </dgm:shape>
-          <dgm:presOf axis="self" ptType="node"/>
-          <dgm:constrLst>
-            <dgm:constr type="tMarg"/>
-            <dgm:constr type="bMarg"/>
-          </dgm:constrLst>
-          <dgm:ruleLst/>
-        </dgm:layoutNode>
-      </dgm:layoutNode>
-      <dgm:layoutNode name="negativeSpace">
-        <dgm:alg type="sp"/>
-        <dgm:shape xmlns:r="http://schemas.openxmlformats.org/officeDocument/2006/relationships" r:blip="">
-          <dgm:adjLst/>
-        </dgm:shape>
-        <dgm:presOf/>
-        <dgm:constrLst/>
-        <dgm:ruleLst/>
-      </dgm:layoutNode>
-      <dgm:layoutNode name="childText" styleLbl="conFgAcc1">
-        <dgm:varLst>
-          <dgm:bulletEnabled val="1"/>
-        </dgm:varLst>
-        <dgm:alg type="tx">
-          <dgm:param type="stBulletLvl" val="1"/>
-        </dgm:alg>
-        <dgm:shape xmlns:r="http://schemas.openxmlformats.org/officeDocument/2006/relationships" type="rect" r:blip="" zOrderOff="-2">
-          <dgm:adjLst/>
-        </dgm:shape>
-        <dgm:presOf axis="des" ptType="node"/>
-        <dgm:constrLst>
-          <dgm:constr type="secFontSz" refType="primFontSz"/>
-        </dgm:constrLst>
-        <dgm:ruleLst>
-          <dgm:rule type="h" val="INF" fact="NaN" max="NaN"/>
-        </dgm:ruleLst>
-      </dgm:layoutNode>
-      <dgm:forEach name="Name10" axis="followSib" ptType="sibTrans" cnt="1">
-        <dgm:layoutNode name="spaceBetweenRectangles">
-          <dgm:alg type="sp"/>
-          <dgm:shape xmlns:r="http://schemas.openxmlformats.org/officeDocument/2006/relationships" r:blip="">
-            <dgm:adjLst/>
-          </dgm:shape>
-          <dgm:presOf/>
-          <dgm:constrLst/>
-          <dgm:ruleLst/>
-        </dgm:layoutNode>
-      </dgm:forEach>
-    </dgm:forEach>
-  </dgm:layoutNode>
-</dgm:layoutDef>
-</file>
-
-<file path=ppt/diagrams/quickStyle1.xml><?xml version="1.0" encoding="utf-8"?>
-<dgm:styleDef xmlns:dgm="http://schemas.openxmlformats.org/drawingml/2006/diagram" xmlns:a="http://schemas.openxmlformats.org/drawingml/2006/main" uniqueId="urn:microsoft.com/office/officeart/2005/8/quickstyle/simple1">
-  <dgm:title val=""/>
-  <dgm:desc val=""/>
-  <dgm:catLst>
-    <dgm:cat type="simple" pri="10100"/>
-  </dgm:catLst>
-  <dgm:scene3d>
-    <a:camera prst="orthographicFront"/>
-    <a:lightRig rig="threePt" dir="t"/>
-  </dgm:scene3d>
-  <dgm:styleLbl name="node0">
-    <dgm:scene3d>
-      <a:camera prst="orthographicFront"/>
-      <a:lightRig rig="threePt" dir="t"/>
-    </dgm:scene3d>
-    <dgm:sp3d/>
-    <dgm:txPr/>
-    <dgm:style>
-      <a:lnRef idx="2">
-        <a:scrgbClr r="0" g="0" b="0"/>
-      </a:lnRef>
-      <a:fillRef idx="1">
-        <a:scrgbClr r="0" g="0" b="0"/>
-      </a:fillRef>
-      <a:effectRef idx="0">
-        <a:scrgbClr r="0" g="0" b="0"/>
-      </a:effectRef>
-      <a:fontRef idx="minor">
-        <a:schemeClr val="lt1"/>
-      </a:fontRef>
-    </dgm:style>
-  </dgm:styleLbl>
-  <dgm:styleLbl name="lnNode1">
-    <dgm:scene3d>
-      <a:camera prst="orthographicFront"/>
-      <a:lightRig rig="threePt" dir="t"/>
-    </dgm:scene3d>
-    <dgm:sp3d/>
-    <dgm:txPr/>
-    <dgm:style>
-      <a:lnRef idx="2">
-        <a:scrgbClr r="0" g="0" b="0"/>
-      </a:lnRef>
-      <a:fillRef idx="1">
-        <a:scrgbClr r="0" g="0" b="0"/>
-      </a:fillRef>
-      <a:effectRef idx="0">
-        <a:scrgbClr r="0" g="0" b="0"/>
-      </a:effectRef>
-      <a:fontRef idx="minor">
-        <a:schemeClr val="lt1"/>
-      </a:fontRef>
-    </dgm:style>
-  </dgm:styleLbl>
-  <dgm:styleLbl name="vennNode1">
-    <dgm:scene3d>
-      <a:camera prst="orthographicFront"/>
-      <a:lightRig rig="threePt" dir="t"/>
-    </dgm:scene3d>
-    <dgm:sp3d/>
-    <dgm:txPr/>
-    <dgm:style>
-      <a:lnRef idx="2">
-        <a:scrgbClr r="0" g="0" b="0"/>
-      </a:lnRef>
-      <a:fillRef idx="1">
-        <a:scrgbClr r="0" g="0" b="0"/>
-      </a:fillRef>
-      <a:effectRef idx="0">
-        <a:scrgbClr r="0" g="0" b="0"/>
-      </a:effectRef>
-      <a:fontRef idx="minor">
-        <a:schemeClr val="tx1"/>
-      </a:fontRef>
-    </dgm:style>
-  </dgm:styleLbl>
-  <dgm:styleLbl name="alignNode1">
-    <dgm:scene3d>
-      <a:camera prst="orthographicFront"/>
-      <a:lightRig rig="threePt" dir="t"/>
-    </dgm:scene3d>
-    <dgm:sp3d/>
-    <dgm:txPr/>
-    <dgm:style>
-      <a:lnRef idx="2">
-        <a:scrgbClr r="0" g="0" b="0"/>
-      </a:lnRef>
-      <a:fillRef idx="1">
-        <a:scrgbClr r="0" g="0" b="0"/>
-      </a:fillRef>
-      <a:effectRef idx="0">
-        <a:scrgbClr r="0" g="0" b="0"/>
-      </a:effectRef>
-      <a:fontRef idx="minor">
-        <a:schemeClr val="lt1"/>
-      </a:fontRef>
-    </dgm:style>
-  </dgm:styleLbl>
-  <dgm:styleLbl name="node1">
-    <dgm:scene3d>
-      <a:camera prst="orthographicFront"/>
-      <a:lightRig rig="threePt" dir="t"/>
-    </dgm:scene3d>
-    <dgm:sp3d/>
-    <dgm:txPr/>
-    <dgm:style>
-      <a:lnRef idx="2">
-        <a:scrgbClr r="0" g="0" b="0"/>
-      </a:lnRef>
-      <a:fillRef idx="1">
-        <a:scrgbClr r="0" g="0" b="0"/>
-      </a:fillRef>
-      <a:effectRef idx="0">
-        <a:scrgbClr r="0" g="0" b="0"/>
-      </a:effectRef>
-      <a:fontRef idx="minor">
-        <a:schemeClr val="lt1"/>
-      </a:fontRef>
-    </dgm:style>
-  </dgm:styleLbl>
-  <dgm:styleLbl name="node2">
-    <dgm:scene3d>
-      <a:camera prst="orthographicFront"/>
-      <a:lightRig rig="threePt" dir="t"/>
-    </dgm:scene3d>
-    <dgm:sp3d/>
-    <dgm:txPr/>
-    <dgm:style>
-      <a:lnRef idx="2">
-        <a:scrgbClr r="0" g="0" b="0"/>
-      </a:lnRef>
-      <a:fillRef idx="1">
-        <a:scrgbClr r="0" g="0" b="0"/>
-      </a:fillRef>
-      <a:effectRef idx="0">
-        <a:scrgbClr r="0" g="0" b="0"/>
-      </a:effectRef>
-      <a:fontRef idx="minor">
-        <a:schemeClr val="lt1"/>
-      </a:fontRef>
-    </dgm:style>
-  </dgm:styleLbl>
-  <dgm:styleLbl name="node3">
-    <dgm:scene3d>
-      <a:camera prst="orthographicFront"/>
-      <a:lightRig rig="threePt" dir="t"/>
-    </dgm:scene3d>
-    <dgm:sp3d/>
-    <dgm:txPr/>
-    <dgm:style>
-      <a:lnRef idx="2">
-        <a:scrgbClr r="0" g="0" b="0"/>
-      </a:lnRef>
-      <a:fillRef idx="1">
-        <a:scrgbClr r="0" g="0" b="0"/>
-      </a:fillRef>
-      <a:effectRef idx="0">
-        <a:scrgbClr r="0" g="0" b="0"/>
-      </a:effectRef>
-      <a:fontRef idx="minor">
-        <a:schemeClr val="lt1"/>
-      </a:fontRef>
-    </dgm:style>
-  </dgm:styleLbl>
-  <dgm:styleLbl name="node4">
-    <dgm:scene3d>
-      <a:camera prst="orthographicFront"/>
-      <a:lightRig rig="threePt" dir="t"/>
-    </dgm:scene3d>
-    <dgm:sp3d/>
-    <dgm:txPr/>
-    <dgm:style>
-      <a:lnRef idx="2">
-        <a:scrgbClr r="0" g="0" b="0"/>
-      </a:lnRef>
-      <a:fillRef idx="1">
-        <a:scrgbClr r="0" g="0" b="0"/>
-      </a:fillRef>
-      <a:effectRef idx="0">
-        <a:scrgbClr r="0" g="0" b="0"/>
-      </a:effectRef>
-      <a:fontRef idx="minor">
-        <a:schemeClr val="lt1"/>
-      </a:fontRef>
-    </dgm:style>
-  </dgm:styleLbl>
-  <dgm:styleLbl name="fgImgPlace1">
-    <dgm:scene3d>
-      <a:camera prst="orthographicFront"/>
-      <a:lightRig rig="threePt" dir="t"/>
-    </dgm:scene3d>
-    <dgm:sp3d/>
-    <dgm:txPr/>
-    <dgm:style>
-      <a:lnRef idx="2">
-        <a:scrgbClr r="0" g="0" b="0"/>
-      </a:lnRef>
-      <a:fillRef idx="1">
-        <a:scrgbClr r="0" g="0" b="0"/>
-      </a:fillRef>
-      <a:effectRef idx="0">
-        <a:scrgbClr r="0" g="0" b="0"/>
-      </a:effectRef>
-      <a:fontRef idx="minor"/>
-    </dgm:style>
-  </dgm:styleLbl>
-  <dgm:styleLbl name="alignImgPlace1">
-    <dgm:scene3d>
-      <a:camera prst="orthographicFront"/>
-      <a:lightRig rig="threePt" dir="t"/>
-    </dgm:scene3d>
-    <dgm:sp3d/>
-    <dgm:txPr/>
-    <dgm:style>
-      <a:lnRef idx="2">
-        <a:scrgbClr r="0" g="0" b="0"/>
-      </a:lnRef>
-      <a:fillRef idx="1">
-        <a:scrgbClr r="0" g="0" b="0"/>
-      </a:fillRef>
-      <a:effectRef idx="0">
-        <a:scrgbClr r="0" g="0" b="0"/>
-      </a:effectRef>
-      <a:fontRef idx="minor"/>
-    </dgm:style>
-  </dgm:styleLbl>
-  <dgm:styleLbl name="bgImgPlace1">
-    <dgm:scene3d>
-      <a:camera prst="orthographicFront"/>
-      <a:lightRig rig="threePt" dir="t"/>
-    </dgm:scene3d>
-    <dgm:sp3d/>
-    <dgm:txPr/>
-    <dgm:style>
-      <a:lnRef idx="2">
-        <a:scrgbClr r="0" g="0" b="0"/>
-      </a:lnRef>
-      <a:fillRef idx="1">
-        <a:scrgbClr r="0" g="0" b="0"/>
-      </a:fillRef>
-      <a:effectRef idx="0">
-        <a:scrgbClr r="0" g="0" b="0"/>
-      </a:effectRef>
-      <a:fontRef idx="minor"/>
-    </dgm:style>
-  </dgm:styleLbl>
-  <dgm:styleLbl name="sibTrans2D1">
-    <dgm:scene3d>
-      <a:camera prst="orthographicFront"/>
-      <a:lightRig rig="threePt" dir="t"/>
-    </dgm:scene3d>
-    <dgm:sp3d/>
-    <dgm:txPr/>
-    <dgm:style>
-      <a:lnRef idx="0">
-        <a:scrgbClr r="0" g="0" b="0"/>
-      </a:lnRef>
-      <a:fillRef idx="1">
-        <a:scrgbClr r="0" g="0" b="0"/>
-      </a:fillRef>
-      <a:effectRef idx="0">
-        <a:scrgbClr r="0" g="0" b="0"/>
-      </a:effectRef>
-      <a:fontRef idx="minor">
-        <a:schemeClr val="lt1"/>
-      </a:fontRef>
-    </dgm:style>
-  </dgm:styleLbl>
-  <dgm:styleLbl name="fgSibTrans2D1">
-    <dgm:scene3d>
-      <a:camera prst="orthographicFront"/>
-      <a:lightRig rig="threePt" dir="t"/>
-    </dgm:scene3d>
-    <dgm:sp3d/>
-    <dgm:txPr/>
-    <dgm:style>
-      <a:lnRef idx="0">
-        <a:scrgbClr r="0" g="0" b="0"/>
-      </a:lnRef>
-      <a:fillRef idx="1">
-        <a:scrgbClr r="0" g="0" b="0"/>
-      </a:fillRef>
-      <a:effectRef idx="0">
-        <a:scrgbClr r="0" g="0" b="0"/>
-      </a:effectRef>
-      <a:fontRef idx="minor">
-        <a:schemeClr val="lt1"/>
-      </a:fontRef>
-    </dgm:style>
-  </dgm:styleLbl>
-  <dgm:styleLbl name="bgSibTrans2D1">
-    <dgm:scene3d>
-      <a:camera prst="orthographicFront"/>
-      <a:lightRig rig="threePt" dir="t"/>
-    </dgm:scene3d>
-    <dgm:sp3d/>
-    <dgm:txPr/>
-    <dgm:style>
-      <a:lnRef idx="0">
-        <a:scrgbClr r="0" g="0" b="0"/>
-      </a:lnRef>
-      <a:fillRef idx="1">
-        <a:scrgbClr r="0" g="0" b="0"/>
-      </a:fillRef>
-      <a:effectRef idx="0">
-        <a:scrgbClr r="0" g="0" b="0"/>
-      </a:effectRef>
-      <a:fontRef idx="minor">
-        <a:schemeClr val="lt1"/>
-      </a:fontRef>
-    </dgm:style>
-  </dgm:styleLbl>
-  <dgm:styleLbl name="sibTrans1D1">
-    <dgm:scene3d>
-      <a:camera prst="orthographicFront"/>
-      <a:lightRig rig="threePt" dir="t"/>
-    </dgm:scene3d>
-    <dgm:sp3d/>
-    <dgm:txPr/>
-    <dgm:style>
-      <a:lnRef idx="1">
-        <a:scrgbClr r="0" g="0" b="0"/>
-      </a:lnRef>
-      <a:fillRef idx="0">
-        <a:scrgbClr r="0" g="0" b="0"/>
-      </a:fillRef>
-      <a:effectRef idx="0">
-        <a:scrgbClr r="0" g="0" b="0"/>
-      </a:effectRef>
-      <a:fontRef idx="minor"/>
-    </dgm:style>
-  </dgm:styleLbl>
-  <dgm:styleLbl name="callout">
-    <dgm:scene3d>
-      <a:camera prst="orthographicFront"/>
-      <a:lightRig rig="threePt" dir="t"/>
-    </dgm:scene3d>
-    <dgm:sp3d/>
-    <dgm:txPr/>
-    <dgm:style>
-      <a:lnRef idx="2">
-        <a:scrgbClr r="0" g="0" b="0"/>
-      </a:lnRef>
-      <a:fillRef idx="1">
-        <a:scrgbClr r="0" g="0" b="0"/>
-      </a:fillRef>
-      <a:effectRef idx="0">
-        <a:scrgbClr r="0" g="0" b="0"/>
-      </a:effectRef>
-      <a:fontRef idx="minor"/>
-    </dgm:style>
-  </dgm:styleLbl>
-  <dgm:styleLbl name="asst0">
-    <dgm:scene3d>
-      <a:camera prst="orthographicFront"/>
-      <a:lightRig rig="threePt" dir="t"/>
-    </dgm:scene3d>
-    <dgm:sp3d/>
-    <dgm:txPr/>
-    <dgm:style>
-      <a:lnRef idx="2">
-        <a:scrgbClr r="0" g="0" b="0"/>
-      </a:lnRef>
-      <a:fillRef idx="1">
-        <a:scrgbClr r="0" g="0" b="0"/>
-      </a:fillRef>
-      <a:effectRef idx="0">
-        <a:scrgbClr r="0" g="0" b="0"/>
-      </a:effectRef>
-      <a:fontRef idx="minor">
-        <a:schemeClr val="lt1"/>
-      </a:fontRef>
-    </dgm:style>
-  </dgm:styleLbl>
-  <dgm:styleLbl name="asst1">
-    <dgm:scene3d>
-      <a:camera prst="orthographicFront"/>
-      <a:lightRig rig="threePt" dir="t"/>
-    </dgm:scene3d>
-    <dgm:sp3d/>
-    <dgm:txPr/>
-    <dgm:style>
-      <a:lnRef idx="2">
-        <a:scrgbClr r="0" g="0" b="0"/>
-      </a:lnRef>
-      <a:fillRef idx="1">
-        <a:scrgbClr r="0" g="0" b="0"/>
-      </a:fillRef>
-      <a:effectRef idx="0">
-        <a:scrgbClr r="0" g="0" b="0"/>
-      </a:effectRef>
-      <a:fontRef idx="minor">
-        <a:schemeClr val="lt1"/>
-      </a:fontRef>
-    </dgm:style>
-  </dgm:styleLbl>
-  <dgm:styleLbl name="asst2">
-    <dgm:scene3d>
-      <a:camera prst="orthographicFront"/>
-      <a:lightRig rig="threePt" dir="t"/>
-    </dgm:scene3d>
-    <dgm:sp3d/>
-    <dgm:txPr/>
-    <dgm:style>
-      <a:lnRef idx="2">
-        <a:scrgbClr r="0" g="0" b="0"/>
-      </a:lnRef>
-      <a:fillRef idx="1">
-        <a:scrgbClr r="0" g="0" b="0"/>
-      </a:fillRef>
-      <a:effectRef idx="0">
-        <a:scrgbClr r="0" g="0" b="0"/>
-      </a:effectRef>
-      <a:fontRef idx="minor">
-        <a:schemeClr val="lt1"/>
-      </a:fontRef>
-    </dgm:style>
-  </dgm:styleLbl>
-  <dgm:styleLbl name="asst3">
-    <dgm:scene3d>
-      <a:camera prst="orthographicFront"/>
-      <a:lightRig rig="threePt" dir="t"/>
-    </dgm:scene3d>
-    <dgm:sp3d/>
-    <dgm:txPr/>
-    <dgm:style>
-      <a:lnRef idx="2">
-        <a:scrgbClr r="0" g="0" b="0"/>
-      </a:lnRef>
-      <a:fillRef idx="1">
-        <a:scrgbClr r="0" g="0" b="0"/>
-      </a:fillRef>
-      <a:effectRef idx="0">
-        <a:scrgbClr r="0" g="0" b="0"/>
-      </a:effectRef>
-      <a:fontRef idx="minor">
-        <a:schemeClr val="lt1"/>
-      </a:fontRef>
-    </dgm:style>
-  </dgm:styleLbl>
-  <dgm:styleLbl name="asst4">
-    <dgm:scene3d>
-      <a:camera prst="orthographicFront"/>
-      <a:lightRig rig="threePt" dir="t"/>
-    </dgm:scene3d>
-    <dgm:sp3d/>
-    <dgm:txPr/>
-    <dgm:style>
-      <a:lnRef idx="2">
-        <a:scrgbClr r="0" g="0" b="0"/>
-      </a:lnRef>
-      <a:fillRef idx="1">
-        <a:scrgbClr r="0" g="0" b="0"/>
-      </a:fillRef>
-      <a:effectRef idx="0">
-        <a:scrgbClr r="0" g="0" b="0"/>
-      </a:effectRef>
-      <a:fontRef idx="minor">
-        <a:schemeClr val="lt1"/>
-      </a:fontRef>
-    </dgm:style>
-  </dgm:styleLbl>
-  <dgm:styleLbl name="parChTrans2D1">
-    <dgm:scene3d>
-      <a:camera prst="orthographicFront"/>
-      <a:lightRig rig="threePt" dir="t"/>
-    </dgm:scene3d>
-    <dgm:sp3d/>
-    <dgm:txPr/>
-    <dgm:style>
-      <a:lnRef idx="2">
-        <a:scrgbClr r="0" g="0" b="0"/>
-      </a:lnRef>
-      <a:fillRef idx="1">
-        <a:scrgbClr r="0" g="0" b="0"/>
-      </a:fillRef>
-      <a:effectRef idx="0">
-        <a:scrgbClr r="0" g="0" b="0"/>
-      </a:effectRef>
-      <a:fontRef idx="minor">
-        <a:schemeClr val="lt1"/>
-      </a:fontRef>
-    </dgm:style>
-  </dgm:styleLbl>
-  <dgm:styleLbl name="parChTrans2D2">
-    <dgm:scene3d>
-      <a:camera prst="orthographicFront"/>
-      <a:lightRig rig="threePt" dir="t"/>
-    </dgm:scene3d>
-    <dgm:sp3d/>
-    <dgm:txPr/>
-    <dgm:style>
-      <a:lnRef idx="2">
-        <a:scrgbClr r="0" g="0" b="0"/>
-      </a:lnRef>
-      <a:fillRef idx="1">
-        <a:scrgbClr r="0" g="0" b="0"/>
-      </a:fillRef>
-      <a:effectRef idx="0">
-        <a:scrgbClr r="0" g="0" b="0"/>
-      </a:effectRef>
-      <a:fontRef idx="minor">
-        <a:schemeClr val="lt1"/>
-      </a:fontRef>
-    </dgm:style>
-  </dgm:styleLbl>
-  <dgm:styleLbl name="parChTrans2D3">
-    <dgm:scene3d>
-      <a:camera prst="orthographicFront"/>
-      <a:lightRig rig="threePt" dir="t"/>
-    </dgm:scene3d>
-    <dgm:sp3d/>
-    <dgm:txPr/>
-    <dgm:style>
-      <a:lnRef idx="2">
-        <a:scrgbClr r="0" g="0" b="0"/>
-      </a:lnRef>
-      <a:fillRef idx="1">
-        <a:scrgbClr r="0" g="0" b="0"/>
-      </a:fillRef>
-      <a:effectRef idx="0">
-        <a:scrgbClr r="0" g="0" b="0"/>
-      </a:effectRef>
-      <a:fontRef idx="minor">
-        <a:schemeClr val="lt1"/>
-      </a:fontRef>
-    </dgm:style>
-  </dgm:styleLbl>
-  <dgm:styleLbl name="parChTrans2D4">
-    <dgm:scene3d>
-      <a:camera prst="orthographicFront"/>
-      <a:lightRig rig="threePt" dir="t"/>
-    </dgm:scene3d>
-    <dgm:sp3d/>
-    <dgm:txPr/>
-    <dgm:style>
-      <a:lnRef idx="2">
-        <a:scrgbClr r="0" g="0" b="0"/>
-      </a:lnRef>
-      <a:fillRef idx="1">
-        <a:scrgbClr r="0" g="0" b="0"/>
-      </a:fillRef>
-      <a:effectRef idx="0">
-        <a:scrgbClr r="0" g="0" b="0"/>
-      </a:effectRef>
-      <a:fontRef idx="minor">
-        <a:schemeClr val="lt1"/>
-      </a:fontRef>
-    </dgm:style>
-  </dgm:styleLbl>
-  <dgm:styleLbl name="parChTrans1D1">
-    <dgm:scene3d>
-      <a:camera prst="orthographicFront"/>
-      <a:lightRig rig="threePt" dir="t"/>
-    </dgm:scene3d>
-    <dgm:sp3d/>
-    <dgm:txPr/>
-    <dgm:style>
-      <a:lnRef idx="2">
-        <a:scrgbClr r="0" g="0" b="0"/>
-      </a:lnRef>
-      <a:fillRef idx="0">
-        <a:scrgbClr r="0" g="0" b="0"/>
-      </a:fillRef>
-      <a:effectRef idx="0">
-        <a:scrgbClr r="0" g="0" b="0"/>
-      </a:effectRef>
-      <a:fontRef idx="minor"/>
-    </dgm:style>
-  </dgm:styleLbl>
-  <dgm:styleLbl name="parChTrans1D2">
-    <dgm:scene3d>
-      <a:camera prst="orthographicFront"/>
-      <a:lightRig rig="threePt" dir="t"/>
-    </dgm:scene3d>
-    <dgm:sp3d/>
-    <dgm:txPr/>
-    <dgm:style>
-      <a:lnRef idx="2">
-        <a:scrgbClr r="0" g="0" b="0"/>
-      </a:lnRef>
-      <a:fillRef idx="0">
-        <a:scrgbClr r="0" g="0" b="0"/>
-      </a:fillRef>
-      <a:effectRef idx="0">
-        <a:scrgbClr r="0" g="0" b="0"/>
-      </a:effectRef>
-      <a:fontRef idx="minor"/>
-    </dgm:style>
-  </dgm:styleLbl>
-  <dgm:styleLbl name="parChTrans1D3">
-    <dgm:scene3d>
-      <a:camera prst="orthographicFront"/>
-      <a:lightRig rig="threePt" dir="t"/>
-    </dgm:scene3d>
-    <dgm:sp3d/>
-    <dgm:txPr/>
-    <dgm:style>
-      <a:lnRef idx="2">
-        <a:scrgbClr r="0" g="0" b="0"/>
-      </a:lnRef>
-      <a:fillRef idx="0">
-        <a:scrgbClr r="0" g="0" b="0"/>
-      </a:fillRef>
-      <a:effectRef idx="0">
-        <a:scrgbClr r="0" g="0" b="0"/>
-      </a:effectRef>
-      <a:fontRef idx="minor"/>
-    </dgm:style>
-  </dgm:styleLbl>
-  <dgm:styleLbl name="parChTrans1D4">
-    <dgm:scene3d>
-      <a:camera prst="orthographicFront"/>
-      <a:lightRig rig="threePt" dir="t"/>
-    </dgm:scene3d>
-    <dgm:sp3d/>
-    <dgm:txPr/>
-    <dgm:style>
-      <a:lnRef idx="2">
-        <a:scrgbClr r="0" g="0" b="0"/>
-      </a:lnRef>
-      <a:fillRef idx="0">
-        <a:scrgbClr r="0" g="0" b="0"/>
-      </a:fillRef>
-      <a:effectRef idx="0">
-        <a:scrgbClr r="0" g="0" b="0"/>
-      </a:effectRef>
-      <a:fontRef idx="minor"/>
-    </dgm:style>
-  </dgm:styleLbl>
-  <dgm:styleLbl name="fgAcc1">
-    <dgm:scene3d>
-      <a:camera prst="orthographicFront"/>
-      <a:lightRig rig="threePt" dir="t"/>
-    </dgm:scene3d>
-    <dgm:sp3d/>
-    <dgm:txPr/>
-    <dgm:style>
-      <a:lnRef idx="2">
-        <a:scrgbClr r="0" g="0" b="0"/>
-      </a:lnRef>
-      <a:fillRef idx="1">
-        <a:scrgbClr r="0" g="0" b="0"/>
-      </a:fillRef>
-      <a:effectRef idx="0">
-        <a:scrgbClr r="0" g="0" b="0"/>
-      </a:effectRef>
-      <a:fontRef idx="minor"/>
-    </dgm:style>
-  </dgm:styleLbl>
-  <dgm:styleLbl name="conFgAcc1">
-    <dgm:scene3d>
-      <a:camera prst="orthographicFront"/>
-      <a:lightRig rig="threePt" dir="t"/>
-    </dgm:scene3d>
-    <dgm:sp3d/>
-    <dgm:txPr/>
-    <dgm:style>
-      <a:lnRef idx="2">
-        <a:scrgbClr r="0" g="0" b="0"/>
-      </a:lnRef>
-      <a:fillRef idx="1">
-        <a:scrgbClr r="0" g="0" b="0"/>
-      </a:fillRef>
-      <a:effectRef idx="0">
-        <a:scrgbClr r="0" g="0" b="0"/>
-      </a:effectRef>
-      <a:fontRef idx="minor"/>
-    </dgm:style>
-  </dgm:styleLbl>
-  <dgm:styleLbl name="alignAcc1">
-    <dgm:scene3d>
-      <a:camera prst="orthographicFront"/>
-      <a:lightRig rig="threePt" dir="t"/>
-    </dgm:scene3d>
-    <dgm:sp3d/>
-    <dgm:txPr/>
-    <dgm:style>
-      <a:lnRef idx="2">
-        <a:scrgbClr r="0" g="0" b="0"/>
-      </a:lnRef>
-      <a:fillRef idx="1">
-        <a:scrgbClr r="0" g="0" b="0"/>
-      </a:fillRef>
-      <a:effectRef idx="0">
-        <a:scrgbClr r="0" g="0" b="0"/>
-      </a:effectRef>
-      <a:fontRef idx="minor"/>
-    </dgm:style>
-  </dgm:styleLbl>
-  <dgm:styleLbl name="trAlignAcc1">
-    <dgm:scene3d>
-      <a:camera prst="orthographicFront"/>
-      <a:lightRig rig="threePt" dir="t"/>
-    </dgm:scene3d>
-    <dgm:sp3d/>
-    <dgm:txPr/>
-    <dgm:style>
-      <a:lnRef idx="1">
-        <a:scrgbClr r="0" g="0" b="0"/>
-      </a:lnRef>
-      <a:fillRef idx="1">
-        <a:scrgbClr r="0" g="0" b="0"/>
-      </a:fillRef>
-      <a:effectRef idx="0">
-        <a:scrgbClr r="0" g="0" b="0"/>
-      </a:effectRef>
-      <a:fontRef idx="minor"/>
-    </dgm:style>
-  </dgm:styleLbl>
-  <dgm:styleLbl name="bgAcc1">
-    <dgm:scene3d>
-      <a:camera prst="orthographicFront"/>
-      <a:lightRig rig="threePt" dir="t"/>
-    </dgm:scene3d>
-    <dgm:sp3d/>
-    <dgm:txPr/>
-    <dgm:style>
-      <a:lnRef idx="2">
-        <a:scrgbClr r="0" g="0" b="0"/>
-      </a:lnRef>
-      <a:fillRef idx="1">
-        <a:scrgbClr r="0" g="0" b="0"/>
-      </a:fillRef>
-      <a:effectRef idx="0">
-        <a:scrgbClr r="0" g="0" b="0"/>
-      </a:effectRef>
-      <a:fontRef idx="minor"/>
-    </dgm:style>
-  </dgm:styleLbl>
-  <dgm:styleLbl name="solidFgAcc1">
-    <dgm:scene3d>
-      <a:camera prst="orthographicFront"/>
-      <a:lightRig rig="threePt" dir="t"/>
-    </dgm:scene3d>
-    <dgm:sp3d/>
-    <dgm:txPr/>
-    <dgm:style>
-      <a:lnRef idx="2">
-        <a:scrgbClr r="0" g="0" b="0"/>
-      </a:lnRef>
-      <a:fillRef idx="1">
-        <a:scrgbClr r="0" g="0" b="0"/>
-      </a:fillRef>
-      <a:effectRef idx="0">
-        <a:scrgbClr r="0" g="0" b="0"/>
-      </a:effectRef>
-      <a:fontRef idx="minor"/>
-    </dgm:style>
-  </dgm:styleLbl>
-  <dgm:styleLbl name="solidAlignAcc1">
-    <dgm:scene3d>
-      <a:camera prst="orthographicFront"/>
-      <a:lightRig rig="threePt" dir="t"/>
-    </dgm:scene3d>
-    <dgm:sp3d/>
-    <dgm:txPr/>
-    <dgm:style>
-      <a:lnRef idx="2">
-        <a:scrgbClr r="0" g="0" b="0"/>
-      </a:lnRef>
-      <a:fillRef idx="1">
-        <a:scrgbClr r="0" g="0" b="0"/>
-      </a:fillRef>
-      <a:effectRef idx="0">
-        <a:scrgbClr r="0" g="0" b="0"/>
-      </a:effectRef>
-      <a:fontRef idx="minor"/>
-    </dgm:style>
-  </dgm:styleLbl>
-  <dgm:styleLbl name="solidBgAcc1">
-    <dgm:scene3d>
-      <a:camera prst="orthographicFront"/>
-      <a:lightRig rig="threePt" dir="t"/>
-    </dgm:scene3d>
-    <dgm:sp3d/>
-    <dgm:txPr/>
-    <dgm:style>
-      <a:lnRef idx="2">
-        <a:scrgbClr r="0" g="0" b="0"/>
-      </a:lnRef>
-      <a:fillRef idx="1">
-        <a:scrgbClr r="0" g="0" b="0"/>
-      </a:fillRef>
-      <a:effectRef idx="0">
-        <a:scrgbClr r="0" g="0" b="0"/>
-      </a:effectRef>
-      <a:fontRef idx="minor"/>
-    </dgm:style>
-  </dgm:styleLbl>
-  <dgm:styleLbl name="fgAccFollowNode1">
-    <dgm:scene3d>
-      <a:camera prst="orthographicFront"/>
-      <a:lightRig rig="threePt" dir="t"/>
-    </dgm:scene3d>
-    <dgm:sp3d/>
-    <dgm:txPr/>
-    <dgm:style>
-      <a:lnRef idx="2">
-        <a:scrgbClr r="0" g="0" b="0"/>
-      </a:lnRef>
-      <a:fillRef idx="1">
-        <a:scrgbClr r="0" g="0" b="0"/>
-      </a:fillRef>
-      <a:effectRef idx="0">
-        <a:scrgbClr r="0" g="0" b="0"/>
-      </a:effectRef>
-      <a:fontRef idx="minor"/>
-    </dgm:style>
-  </dgm:styleLbl>
-  <dgm:styleLbl name="alignAccFollowNode1">
-    <dgm:scene3d>
-      <a:camera prst="orthographicFront"/>
-      <a:lightRig rig="threePt" dir="t"/>
-    </dgm:scene3d>
-    <dgm:sp3d/>
-    <dgm:txPr/>
-    <dgm:style>
-      <a:lnRef idx="2">
-        <a:scrgbClr r="0" g="0" b="0"/>
-      </a:lnRef>
-      <a:fillRef idx="1">
-        <a:scrgbClr r="0" g="0" b="0"/>
-      </a:fillRef>
-      <a:effectRef idx="0">
-        <a:scrgbClr r="0" g="0" b="0"/>
-      </a:effectRef>
-      <a:fontRef idx="minor"/>
-    </dgm:style>
-  </dgm:styleLbl>
-  <dgm:styleLbl name="bgAccFollowNode1">
-    <dgm:scene3d>
-      <a:camera prst="orthographicFront"/>
-      <a:lightRig rig="threePt" dir="t"/>
-    </dgm:scene3d>
-    <dgm:sp3d/>
-    <dgm:txPr/>
-    <dgm:style>
-      <a:lnRef idx="2">
-        <a:scrgbClr r="0" g="0" b="0"/>
-      </a:lnRef>
-      <a:fillRef idx="1">
-        <a:scrgbClr r="0" g="0" b="0"/>
-      </a:fillRef>
-      <a:effectRef idx="0">
-        <a:scrgbClr r="0" g="0" b="0"/>
-      </a:effectRef>
-      <a:fontRef idx="minor"/>
-    </dgm:style>
-  </dgm:styleLbl>
-  <dgm:styleLbl name="fgAcc0">
-    <dgm:scene3d>
-      <a:camera prst="orthographicFront"/>
-      <a:lightRig rig="threePt" dir="t"/>
-    </dgm:scene3d>
-    <dgm:sp3d/>
-    <dgm:txPr/>
-    <dgm:style>
-      <a:lnRef idx="2">
-        <a:scrgbClr r="0" g="0" b="0"/>
-      </a:lnRef>
-      <a:fillRef idx="1">
-        <a:scrgbClr r="0" g="0" b="0"/>
-      </a:fillRef>
-      <a:effectRef idx="0">
-        <a:scrgbClr r="0" g="0" b="0"/>
-      </a:effectRef>
-      <a:fontRef idx="minor"/>
-    </dgm:style>
-  </dgm:styleLbl>
-  <dgm:styleLbl name="fgAcc2">
-    <dgm:scene3d>
-      <a:camera prst="orthographicFront"/>
-      <a:lightRig rig="threePt" dir="t"/>
-    </dgm:scene3d>
-    <dgm:sp3d/>
-    <dgm:txPr/>
-    <dgm:style>
-      <a:lnRef idx="2">
-        <a:scrgbClr r="0" g="0" b="0"/>
-      </a:lnRef>
-      <a:fillRef idx="1">
-        <a:scrgbClr r="0" g="0" b="0"/>
-      </a:fillRef>
-      <a:effectRef idx="0">
-        <a:scrgbClr r="0" g="0" b="0"/>
-      </a:effectRef>
-      <a:fontRef idx="minor"/>
-    </dgm:style>
-  </dgm:styleLbl>
-  <dgm:styleLbl name="fgAcc3">
-    <dgm:scene3d>
-      <a:camera prst="orthographicFront"/>
-      <a:lightRig rig="threePt" dir="t"/>
-    </dgm:scene3d>
-    <dgm:sp3d/>
-    <dgm:txPr/>
-    <dgm:style>
-      <a:lnRef idx="2">
-        <a:scrgbClr r="0" g="0" b="0"/>
-      </a:lnRef>
-      <a:fillRef idx="1">
-        <a:scrgbClr r="0" g="0" b="0"/>
-      </a:fillRef>
-      <a:effectRef idx="0">
-        <a:scrgbClr r="0" g="0" b="0"/>
-      </a:effectRef>
-      <a:fontRef idx="minor"/>
-    </dgm:style>
-  </dgm:styleLbl>
-  <dgm:styleLbl name="fgAcc4">
-    <dgm:scene3d>
-      <a:camera prst="orthographicFront"/>
-      <a:lightRig rig="threePt" dir="t"/>
-    </dgm:scene3d>
-    <dgm:sp3d/>
-    <dgm:txPr/>
-    <dgm:style>
-      <a:lnRef idx="2">
-        <a:scrgbClr r="0" g="0" b="0"/>
-      </a:lnRef>
-      <a:fillRef idx="1">
-        <a:scrgbClr r="0" g="0" b="0"/>
-      </a:fillRef>
-      <a:effectRef idx="0">
-        <a:scrgbClr r="0" g="0" b="0"/>
-      </a:effectRef>
-      <a:fontRef idx="minor"/>
-    </dgm:style>
-  </dgm:styleLbl>
-  <dgm:styleLbl name="bgShp">
-    <dgm:scene3d>
-      <a:camera prst="orthographicFront"/>
-      <a:lightRig rig="threePt" dir="t"/>
-    </dgm:scene3d>
-    <dgm:sp3d/>
-    <dgm:txPr/>
-    <dgm:style>
-      <a:lnRef idx="0">
-        <a:scrgbClr r="0" g="0" b="0"/>
-      </a:lnRef>
-      <a:fillRef idx="1">
-        <a:scrgbClr r="0" g="0" b="0"/>
-      </a:fillRef>
-      <a:effectRef idx="0">
-        <a:scrgbClr r="0" g="0" b="0"/>
-      </a:effectRef>
-      <a:fontRef idx="minor"/>
-    </dgm:style>
-  </dgm:styleLbl>
-  <dgm:styleLbl name="dkBgShp">
-    <dgm:scene3d>
-      <a:camera prst="orthographicFront"/>
-      <a:lightRig rig="threePt" dir="t"/>
-    </dgm:scene3d>
-    <dgm:sp3d/>
-    <dgm:txPr/>
-    <dgm:style>
-      <a:lnRef idx="0">
-        <a:scrgbClr r="0" g="0" b="0"/>
-      </a:lnRef>
-      <a:fillRef idx="1">
-        <a:scrgbClr r="0" g="0" b="0"/>
-      </a:fillRef>
-      <a:effectRef idx="0">
-        <a:scrgbClr r="0" g="0" b="0"/>
-      </a:effectRef>
-      <a:fontRef idx="minor"/>
-    </dgm:style>
-  </dgm:styleLbl>
-  <dgm:styleLbl name="trBgShp">
-    <dgm:scene3d>
-      <a:camera prst="orthographicFront"/>
-      <a:lightRig rig="threePt" dir="t"/>
-    </dgm:scene3d>
-    <dgm:sp3d/>
-    <dgm:txPr/>
-    <dgm:style>
-      <a:lnRef idx="0">
-        <a:scrgbClr r="0" g="0" b="0"/>
-      </a:lnRef>
-      <a:fillRef idx="1">
-        <a:scrgbClr r="0" g="0" b="0"/>
-      </a:fillRef>
-      <a:effectRef idx="0">
-        <a:scrgbClr r="0" g="0" b="0"/>
-      </a:effectRef>
-      <a:fontRef idx="minor"/>
-    </dgm:style>
-  </dgm:styleLbl>
-  <dgm:styleLbl name="fgShp">
-    <dgm:scene3d>
-      <a:camera prst="orthographicFront"/>
-      <a:lightRig rig="threePt" dir="t"/>
-    </dgm:scene3d>
-    <dgm:sp3d/>
-    <dgm:txPr/>
-    <dgm:style>
-      <a:lnRef idx="2">
-        <a:scrgbClr r="0" g="0" b="0"/>
-      </a:lnRef>
-      <a:fillRef idx="1">
-        <a:scrgbClr r="0" g="0" b="0"/>
-      </a:fillRef>
-      <a:effectRef idx="0">
-        <a:scrgbClr r="0" g="0" b="0"/>
-      </a:effectRef>
-      <a:fontRef idx="minor"/>
-    </dgm:style>
-  </dgm:styleLbl>
-  <dgm:styleLbl name="revTx">
-    <dgm:scene3d>
-      <a:camera prst="orthographicFront"/>
-      <a:lightRig rig="threePt" dir="t"/>
-    </dgm:scene3d>
-    <dgm:sp3d/>
-    <dgm:txPr/>
-    <dgm:style>
-      <a:lnRef idx="0">
-        <a:scrgbClr r="0" g="0" b="0"/>
-      </a:lnRef>
-      <a:fillRef idx="0">
-        <a:scrgbClr r="0" g="0" b="0"/>
-      </a:fillRef>
-      <a:effectRef idx="0">
-        <a:scrgbClr r="0" g="0" b="0"/>
-      </a:effectRef>
-      <a:fontRef idx="minor"/>
-    </dgm:style>
-  </dgm:styleLbl>
-</dgm:styleDef>
-</file>
-
 <file path=ppt/slideLayouts/slideLayout1.xml><?xml version="1.0" encoding="utf-8"?>
 <p:sldLayout xmlns:a="http://schemas.openxmlformats.org/drawingml/2006/main" xmlns:r="http://schemas.openxmlformats.org/officeDocument/2006/relationships" xmlns:p="http://schemas.openxmlformats.org/presentationml/2006/main" type="title" preserve="1">
   <p:cSld name="Title Slide">
@@ -2602,8 +141,8 @@
         </p:nvSpPr>
         <p:spPr>
           <a:xfrm>
-            <a:off x="1524000" y="523770"/>
-            <a:ext cx="9144000" cy="1114213"/>
+            <a:off x="1714500" y="523770"/>
+            <a:ext cx="10287000" cy="1114213"/>
           </a:xfrm>
         </p:spPr>
         <p:txBody>
@@ -2634,8 +173,8 @@
         </p:nvSpPr>
         <p:spPr>
           <a:xfrm>
-            <a:off x="1524000" y="1680951"/>
-            <a:ext cx="9144000" cy="772689"/>
+            <a:off x="1714500" y="1680951"/>
+            <a:ext cx="10287000" cy="772689"/>
           </a:xfrm>
         </p:spPr>
         <p:txBody>
@@ -2704,7 +243,7 @@
           <a:p>
             <a:fld id="{A52FFE4A-1453-4443-9414-84667510EB39}" type="datetimeFigureOut">
               <a:rPr lang="en-US" smtClean="0"/>
-              <a:t>8/29/20</a:t>
+              <a:t>2/1/21</a:t>
             </a:fld>
             <a:endParaRPr lang="en-US"/>
           </a:p>
@@ -2755,7 +294,7 @@
     </p:spTree>
     <p:extLst>
       <p:ext uri="{BB962C8B-B14F-4D97-AF65-F5344CB8AC3E}">
-        <p14:creationId xmlns:p14="http://schemas.microsoft.com/office/powerpoint/2010/main" val="2940179418"/>
+        <p14:creationId xmlns:p14="http://schemas.microsoft.com/office/powerpoint/2010/main" val="4047788521"/>
       </p:ext>
     </p:extLst>
   </p:cSld>
@@ -2874,7 +413,7 @@
           <a:p>
             <a:fld id="{A52FFE4A-1453-4443-9414-84667510EB39}" type="datetimeFigureOut">
               <a:rPr lang="en-US" smtClean="0"/>
-              <a:t>8/29/20</a:t>
+              <a:t>2/1/21</a:t>
             </a:fld>
             <a:endParaRPr lang="en-US"/>
           </a:p>
@@ -2925,7 +464,7 @@
     </p:spTree>
     <p:extLst>
       <p:ext uri="{BB962C8B-B14F-4D97-AF65-F5344CB8AC3E}">
-        <p14:creationId xmlns:p14="http://schemas.microsoft.com/office/powerpoint/2010/main" val="1032274423"/>
+        <p14:creationId xmlns:p14="http://schemas.microsoft.com/office/powerpoint/2010/main" val="1241403544"/>
       </p:ext>
     </p:extLst>
   </p:cSld>
@@ -2964,8 +503,8 @@
         </p:nvSpPr>
         <p:spPr>
           <a:xfrm>
-            <a:off x="8724900" y="170392"/>
-            <a:ext cx="2628900" cy="2712191"/>
+            <a:off x="9815512" y="170392"/>
+            <a:ext cx="2957513" cy="2712191"/>
           </a:xfrm>
         </p:spPr>
         <p:txBody>
@@ -2992,8 +531,8 @@
         </p:nvSpPr>
         <p:spPr>
           <a:xfrm>
-            <a:off x="838200" y="170392"/>
-            <a:ext cx="7734300" cy="2712191"/>
+            <a:off x="942975" y="170392"/>
+            <a:ext cx="8701088" cy="2712191"/>
           </a:xfrm>
         </p:spPr>
         <p:txBody>
@@ -3054,7 +593,7 @@
           <a:p>
             <a:fld id="{A52FFE4A-1453-4443-9414-84667510EB39}" type="datetimeFigureOut">
               <a:rPr lang="en-US" smtClean="0"/>
-              <a:t>8/29/20</a:t>
+              <a:t>2/1/21</a:t>
             </a:fld>
             <a:endParaRPr lang="en-US"/>
           </a:p>
@@ -3105,7 +644,7 @@
     </p:spTree>
     <p:extLst>
       <p:ext uri="{BB962C8B-B14F-4D97-AF65-F5344CB8AC3E}">
-        <p14:creationId xmlns:p14="http://schemas.microsoft.com/office/powerpoint/2010/main" val="1024691997"/>
+        <p14:creationId xmlns:p14="http://schemas.microsoft.com/office/powerpoint/2010/main" val="219565032"/>
       </p:ext>
     </p:extLst>
   </p:cSld>
@@ -3224,7 +763,7 @@
           <a:p>
             <a:fld id="{A52FFE4A-1453-4443-9414-84667510EB39}" type="datetimeFigureOut">
               <a:rPr lang="en-US" smtClean="0"/>
-              <a:t>8/29/20</a:t>
+              <a:t>2/1/21</a:t>
             </a:fld>
             <a:endParaRPr lang="en-US"/>
           </a:p>
@@ -3275,7 +814,7 @@
     </p:spTree>
     <p:extLst>
       <p:ext uri="{BB962C8B-B14F-4D97-AF65-F5344CB8AC3E}">
-        <p14:creationId xmlns:p14="http://schemas.microsoft.com/office/powerpoint/2010/main" val="1310186169"/>
+        <p14:creationId xmlns:p14="http://schemas.microsoft.com/office/powerpoint/2010/main" val="2892819380"/>
       </p:ext>
     </p:extLst>
   </p:cSld>
@@ -3314,8 +853,8 @@
         </p:nvSpPr>
         <p:spPr>
           <a:xfrm>
-            <a:off x="831850" y="797878"/>
-            <a:ext cx="10515600" cy="1331277"/>
+            <a:off x="935831" y="797878"/>
+            <a:ext cx="11830050" cy="1331277"/>
           </a:xfrm>
         </p:spPr>
         <p:txBody>
@@ -3346,8 +885,8 @@
         </p:nvSpPr>
         <p:spPr>
           <a:xfrm>
-            <a:off x="831850" y="2141750"/>
-            <a:ext cx="10515600" cy="700087"/>
+            <a:off x="935831" y="2141750"/>
+            <a:ext cx="11830050" cy="700087"/>
           </a:xfrm>
         </p:spPr>
         <p:txBody>
@@ -3470,7 +1009,7 @@
           <a:p>
             <a:fld id="{A52FFE4A-1453-4443-9414-84667510EB39}" type="datetimeFigureOut">
               <a:rPr lang="en-US" smtClean="0"/>
-              <a:t>8/29/20</a:t>
+              <a:t>2/1/21</a:t>
             </a:fld>
             <a:endParaRPr lang="en-US"/>
           </a:p>
@@ -3521,7 +1060,7 @@
     </p:spTree>
     <p:extLst>
       <p:ext uri="{BB962C8B-B14F-4D97-AF65-F5344CB8AC3E}">
-        <p14:creationId xmlns:p14="http://schemas.microsoft.com/office/powerpoint/2010/main" val="3424016372"/>
+        <p14:creationId xmlns:p14="http://schemas.microsoft.com/office/powerpoint/2010/main" val="2845079037"/>
       </p:ext>
     </p:extLst>
   </p:cSld>
@@ -3583,8 +1122,8 @@
         </p:nvSpPr>
         <p:spPr>
           <a:xfrm>
-            <a:off x="838200" y="851959"/>
-            <a:ext cx="5181600" cy="2030624"/>
+            <a:off x="942975" y="851959"/>
+            <a:ext cx="5829300" cy="2030624"/>
           </a:xfrm>
         </p:spPr>
         <p:txBody>
@@ -3640,8 +1179,8 @@
         </p:nvSpPr>
         <p:spPr>
           <a:xfrm>
-            <a:off x="6172200" y="851959"/>
-            <a:ext cx="5181600" cy="2030624"/>
+            <a:off x="6943725" y="851959"/>
+            <a:ext cx="5829300" cy="2030624"/>
           </a:xfrm>
         </p:spPr>
         <p:txBody>
@@ -3702,7 +1241,7 @@
           <a:p>
             <a:fld id="{A52FFE4A-1453-4443-9414-84667510EB39}" type="datetimeFigureOut">
               <a:rPr lang="en-US" smtClean="0"/>
-              <a:t>8/29/20</a:t>
+              <a:t>2/1/21</a:t>
             </a:fld>
             <a:endParaRPr lang="en-US"/>
           </a:p>
@@ -3753,7 +1292,7 @@
     </p:spTree>
     <p:extLst>
       <p:ext uri="{BB962C8B-B14F-4D97-AF65-F5344CB8AC3E}">
-        <p14:creationId xmlns:p14="http://schemas.microsoft.com/office/powerpoint/2010/main" val="1258298940"/>
+        <p14:creationId xmlns:p14="http://schemas.microsoft.com/office/powerpoint/2010/main" val="665393404"/>
       </p:ext>
     </p:extLst>
   </p:cSld>
@@ -3792,8 +1331,8 @@
         </p:nvSpPr>
         <p:spPr>
           <a:xfrm>
-            <a:off x="839788" y="170392"/>
-            <a:ext cx="10515600" cy="618596"/>
+            <a:off x="944762" y="170392"/>
+            <a:ext cx="11830050" cy="618596"/>
           </a:xfrm>
         </p:spPr>
         <p:txBody>
@@ -3820,8 +1359,8 @@
         </p:nvSpPr>
         <p:spPr>
           <a:xfrm>
-            <a:off x="839789" y="784543"/>
-            <a:ext cx="5157787" cy="384492"/>
+            <a:off x="944762" y="784543"/>
+            <a:ext cx="5802510" cy="384492"/>
           </a:xfrm>
         </p:spPr>
         <p:txBody>
@@ -3885,8 +1424,8 @@
         </p:nvSpPr>
         <p:spPr>
           <a:xfrm>
-            <a:off x="839789" y="1169035"/>
-            <a:ext cx="5157787" cy="1719474"/>
+            <a:off x="944762" y="1169035"/>
+            <a:ext cx="5802510" cy="1719474"/>
           </a:xfrm>
         </p:spPr>
         <p:txBody>
@@ -3942,8 +1481,8 @@
         </p:nvSpPr>
         <p:spPr>
           <a:xfrm>
-            <a:off x="6172200" y="784543"/>
-            <a:ext cx="5183188" cy="384492"/>
+            <a:off x="6943725" y="784543"/>
+            <a:ext cx="5831087" cy="384492"/>
           </a:xfrm>
         </p:spPr>
         <p:txBody>
@@ -4007,8 +1546,8 @@
         </p:nvSpPr>
         <p:spPr>
           <a:xfrm>
-            <a:off x="6172200" y="1169035"/>
-            <a:ext cx="5183188" cy="1719474"/>
+            <a:off x="6943725" y="1169035"/>
+            <a:ext cx="5831087" cy="1719474"/>
           </a:xfrm>
         </p:spPr>
         <p:txBody>
@@ -4069,7 +1608,7 @@
           <a:p>
             <a:fld id="{A52FFE4A-1453-4443-9414-84667510EB39}" type="datetimeFigureOut">
               <a:rPr lang="en-US" smtClean="0"/>
-              <a:t>8/29/20</a:t>
+              <a:t>2/1/21</a:t>
             </a:fld>
             <a:endParaRPr lang="en-US"/>
           </a:p>
@@ -4120,7 +1659,7 @@
     </p:spTree>
     <p:extLst>
       <p:ext uri="{BB962C8B-B14F-4D97-AF65-F5344CB8AC3E}">
-        <p14:creationId xmlns:p14="http://schemas.microsoft.com/office/powerpoint/2010/main" val="3058967742"/>
+        <p14:creationId xmlns:p14="http://schemas.microsoft.com/office/powerpoint/2010/main" val="2388445847"/>
       </p:ext>
     </p:extLst>
   </p:cSld>
@@ -4187,7 +1726,7 @@
           <a:p>
             <a:fld id="{A52FFE4A-1453-4443-9414-84667510EB39}" type="datetimeFigureOut">
               <a:rPr lang="en-US" smtClean="0"/>
-              <a:t>8/29/20</a:t>
+              <a:t>2/1/21</a:t>
             </a:fld>
             <a:endParaRPr lang="en-US"/>
           </a:p>
@@ -4238,7 +1777,7 @@
     </p:spTree>
     <p:extLst>
       <p:ext uri="{BB962C8B-B14F-4D97-AF65-F5344CB8AC3E}">
-        <p14:creationId xmlns:p14="http://schemas.microsoft.com/office/powerpoint/2010/main" val="2405344152"/>
+        <p14:creationId xmlns:p14="http://schemas.microsoft.com/office/powerpoint/2010/main" val="4051060822"/>
       </p:ext>
     </p:extLst>
   </p:cSld>
@@ -4282,7 +1821,7 @@
           <a:p>
             <a:fld id="{A52FFE4A-1453-4443-9414-84667510EB39}" type="datetimeFigureOut">
               <a:rPr lang="en-US" smtClean="0"/>
-              <a:t>8/29/20</a:t>
+              <a:t>2/1/21</a:t>
             </a:fld>
             <a:endParaRPr lang="en-US"/>
           </a:p>
@@ -4333,7 +1872,7 @@
     </p:spTree>
     <p:extLst>
       <p:ext uri="{BB962C8B-B14F-4D97-AF65-F5344CB8AC3E}">
-        <p14:creationId xmlns:p14="http://schemas.microsoft.com/office/powerpoint/2010/main" val="3628336515"/>
+        <p14:creationId xmlns:p14="http://schemas.microsoft.com/office/powerpoint/2010/main" val="1328433244"/>
       </p:ext>
     </p:extLst>
   </p:cSld>
@@ -4372,8 +1911,8 @@
         </p:nvSpPr>
         <p:spPr>
           <a:xfrm>
-            <a:off x="839789" y="213360"/>
-            <a:ext cx="3932237" cy="746760"/>
+            <a:off x="944762" y="213360"/>
+            <a:ext cx="4423767" cy="746760"/>
           </a:xfrm>
         </p:spPr>
         <p:txBody>
@@ -4404,8 +1943,8 @@
         </p:nvSpPr>
         <p:spPr>
           <a:xfrm>
-            <a:off x="5183188" y="460799"/>
-            <a:ext cx="6172200" cy="2274358"/>
+            <a:off x="5831087" y="460799"/>
+            <a:ext cx="6943725" cy="2274358"/>
           </a:xfrm>
         </p:spPr>
         <p:txBody>
@@ -4489,8 +2028,8 @@
         </p:nvSpPr>
         <p:spPr>
           <a:xfrm>
-            <a:off x="839789" y="960120"/>
-            <a:ext cx="3932237" cy="1778741"/>
+            <a:off x="944762" y="960120"/>
+            <a:ext cx="4423767" cy="1778741"/>
           </a:xfrm>
         </p:spPr>
         <p:txBody>
@@ -4559,7 +2098,7 @@
           <a:p>
             <a:fld id="{A52FFE4A-1453-4443-9414-84667510EB39}" type="datetimeFigureOut">
               <a:rPr lang="en-US" smtClean="0"/>
-              <a:t>8/29/20</a:t>
+              <a:t>2/1/21</a:t>
             </a:fld>
             <a:endParaRPr lang="en-US"/>
           </a:p>
@@ -4610,7 +2149,7 @@
     </p:spTree>
     <p:extLst>
       <p:ext uri="{BB962C8B-B14F-4D97-AF65-F5344CB8AC3E}">
-        <p14:creationId xmlns:p14="http://schemas.microsoft.com/office/powerpoint/2010/main" val="1661084967"/>
+        <p14:creationId xmlns:p14="http://schemas.microsoft.com/office/powerpoint/2010/main" val="2646400361"/>
       </p:ext>
     </p:extLst>
   </p:cSld>
@@ -4649,8 +2188,8 @@
         </p:nvSpPr>
         <p:spPr>
           <a:xfrm>
-            <a:off x="839789" y="213360"/>
-            <a:ext cx="3932237" cy="746760"/>
+            <a:off x="944762" y="213360"/>
+            <a:ext cx="4423767" cy="746760"/>
           </a:xfrm>
         </p:spPr>
         <p:txBody>
@@ -4681,8 +2220,8 @@
         </p:nvSpPr>
         <p:spPr>
           <a:xfrm>
-            <a:off x="5183188" y="460799"/>
-            <a:ext cx="6172200" cy="2274358"/>
+            <a:off x="5831087" y="460799"/>
+            <a:ext cx="6943725" cy="2274358"/>
           </a:xfrm>
         </p:spPr>
         <p:txBody>
@@ -4746,8 +2285,8 @@
         </p:nvSpPr>
         <p:spPr>
           <a:xfrm>
-            <a:off x="839789" y="960120"/>
-            <a:ext cx="3932237" cy="1778741"/>
+            <a:off x="944762" y="960120"/>
+            <a:ext cx="4423767" cy="1778741"/>
           </a:xfrm>
         </p:spPr>
         <p:txBody>
@@ -4816,7 +2355,7 @@
           <a:p>
             <a:fld id="{A52FFE4A-1453-4443-9414-84667510EB39}" type="datetimeFigureOut">
               <a:rPr lang="en-US" smtClean="0"/>
-              <a:t>8/29/20</a:t>
+              <a:t>2/1/21</a:t>
             </a:fld>
             <a:endParaRPr lang="en-US"/>
           </a:p>
@@ -4867,7 +2406,7 @@
     </p:spTree>
     <p:extLst>
       <p:ext uri="{BB962C8B-B14F-4D97-AF65-F5344CB8AC3E}">
-        <p14:creationId xmlns:p14="http://schemas.microsoft.com/office/powerpoint/2010/main" val="3821258385"/>
+        <p14:creationId xmlns:p14="http://schemas.microsoft.com/office/powerpoint/2010/main" val="522675529"/>
       </p:ext>
     </p:extLst>
   </p:cSld>
@@ -4911,8 +2450,8 @@
         </p:nvSpPr>
         <p:spPr>
           <a:xfrm>
-            <a:off x="838200" y="170392"/>
-            <a:ext cx="10515600" cy="618596"/>
+            <a:off x="942975" y="170392"/>
+            <a:ext cx="11830050" cy="618596"/>
           </a:xfrm>
           <a:prstGeom prst="rect">
             <a:avLst/>
@@ -4944,8 +2483,8 @@
         </p:nvSpPr>
         <p:spPr>
           <a:xfrm>
-            <a:off x="838200" y="851959"/>
-            <a:ext cx="10515600" cy="2030624"/>
+            <a:off x="942975" y="851959"/>
+            <a:ext cx="11830050" cy="2030624"/>
           </a:xfrm>
           <a:prstGeom prst="rect">
             <a:avLst/>
@@ -5006,8 +2545,8 @@
         </p:nvSpPr>
         <p:spPr>
           <a:xfrm>
-            <a:off x="838200" y="2966297"/>
-            <a:ext cx="2743200" cy="170392"/>
+            <a:off x="942975" y="2966297"/>
+            <a:ext cx="3086100" cy="170392"/>
           </a:xfrm>
           <a:prstGeom prst="rect">
             <a:avLst/>
@@ -5029,7 +2568,7 @@
           <a:p>
             <a:fld id="{A52FFE4A-1453-4443-9414-84667510EB39}" type="datetimeFigureOut">
               <a:rPr lang="en-US" smtClean="0"/>
-              <a:t>8/29/20</a:t>
+              <a:t>2/1/21</a:t>
             </a:fld>
             <a:endParaRPr lang="en-US"/>
           </a:p>
@@ -5047,8 +2586,8 @@
         </p:nvSpPr>
         <p:spPr>
           <a:xfrm>
-            <a:off x="4038600" y="2966297"/>
-            <a:ext cx="4114800" cy="170392"/>
+            <a:off x="4543425" y="2966297"/>
+            <a:ext cx="4629150" cy="170392"/>
           </a:xfrm>
           <a:prstGeom prst="rect">
             <a:avLst/>
@@ -5084,8 +2623,8 @@
         </p:nvSpPr>
         <p:spPr>
           <a:xfrm>
-            <a:off x="8610600" y="2966297"/>
-            <a:ext cx="2743200" cy="170392"/>
+            <a:off x="9686925" y="2966297"/>
+            <a:ext cx="3086100" cy="170392"/>
           </a:xfrm>
           <a:prstGeom prst="rect">
             <a:avLst/>
@@ -5116,23 +2655,23 @@
     </p:spTree>
     <p:extLst>
       <p:ext uri="{BB962C8B-B14F-4D97-AF65-F5344CB8AC3E}">
-        <p14:creationId xmlns:p14="http://schemas.microsoft.com/office/powerpoint/2010/main" val="657324346"/>
+        <p14:creationId xmlns:p14="http://schemas.microsoft.com/office/powerpoint/2010/main" val="137457717"/>
       </p:ext>
     </p:extLst>
   </p:cSld>
   <p:clrMap bg1="lt1" tx1="dk1" bg2="lt2" tx2="dk2" accent1="accent1" accent2="accent2" accent3="accent3" accent4="accent4" accent5="accent5" accent6="accent6" hlink="hlink" folHlink="folHlink"/>
   <p:sldLayoutIdLst>
-    <p:sldLayoutId id="2147483661" r:id="rId1"/>
-    <p:sldLayoutId id="2147483662" r:id="rId2"/>
-    <p:sldLayoutId id="2147483663" r:id="rId3"/>
-    <p:sldLayoutId id="2147483664" r:id="rId4"/>
-    <p:sldLayoutId id="2147483665" r:id="rId5"/>
-    <p:sldLayoutId id="2147483666" r:id="rId6"/>
-    <p:sldLayoutId id="2147483667" r:id="rId7"/>
-    <p:sldLayoutId id="2147483668" r:id="rId8"/>
-    <p:sldLayoutId id="2147483669" r:id="rId9"/>
-    <p:sldLayoutId id="2147483670" r:id="rId10"/>
-    <p:sldLayoutId id="2147483671" r:id="rId11"/>
+    <p:sldLayoutId id="2147483673" r:id="rId1"/>
+    <p:sldLayoutId id="2147483674" r:id="rId2"/>
+    <p:sldLayoutId id="2147483675" r:id="rId3"/>
+    <p:sldLayoutId id="2147483676" r:id="rId4"/>
+    <p:sldLayoutId id="2147483677" r:id="rId5"/>
+    <p:sldLayoutId id="2147483678" r:id="rId6"/>
+    <p:sldLayoutId id="2147483679" r:id="rId7"/>
+    <p:sldLayoutId id="2147483680" r:id="rId8"/>
+    <p:sldLayoutId id="2147483681" r:id="rId9"/>
+    <p:sldLayoutId id="2147483682" r:id="rId10"/>
+    <p:sldLayoutId id="2147483683" r:id="rId11"/>
   </p:sldLayoutIdLst>
   <p:txStyles>
     <p:titleStyle>
@@ -5434,6 +2973,45 @@
           <a:chExt cx="0" cy="0"/>
         </a:xfrm>
       </p:grpSpPr>
+      <p:sp>
+        <p:nvSpPr>
+          <p:cNvPr id="51" name="TextBox 50">
+            <a:extLst>
+              <a:ext uri="{FF2B5EF4-FFF2-40B4-BE49-F238E27FC236}">
+                <a16:creationId xmlns:a16="http://schemas.microsoft.com/office/drawing/2014/main" id="{8AEC6937-24B3-1F4B-B489-60B65A107B60}"/>
+              </a:ext>
+            </a:extLst>
+          </p:cNvPr>
+          <p:cNvSpPr txBox="1"/>
+          <p:nvPr/>
+        </p:nvSpPr>
+        <p:spPr>
+          <a:xfrm>
+            <a:off x="10119537" y="287214"/>
+            <a:ext cx="309700" cy="584775"/>
+          </a:xfrm>
+          <a:prstGeom prst="rect">
+            <a:avLst/>
+          </a:prstGeom>
+          <a:noFill/>
+        </p:spPr>
+        <p:txBody>
+          <a:bodyPr wrap="none" rtlCol="0">
+            <a:spAutoFit/>
+          </a:bodyPr>
+          <a:lstStyle/>
+          <a:p>
+            <a:r>
+              <a:rPr lang="en-US" sz="3200" b="1" dirty="0">
+                <a:solidFill>
+                  <a:srgbClr val="F99C04"/>
+                </a:solidFill>
+              </a:rPr>
+              <a:t>-</a:t>
+            </a:r>
+          </a:p>
+        </p:txBody>
+      </p:sp>
       <p:cxnSp>
         <p:nvCxnSpPr>
           <p:cNvPr id="7" name="Straight Arrow Connector 6">
@@ -5450,13 +3028,16 @@
         </p:nvCxnSpPr>
         <p:spPr>
           <a:xfrm>
-            <a:off x="3034072" y="1080857"/>
+            <a:off x="2317645" y="1080858"/>
             <a:ext cx="590460" cy="1"/>
           </a:xfrm>
           <a:prstGeom prst="straightConnector1">
             <a:avLst/>
           </a:prstGeom>
           <a:ln w="38100">
+            <a:solidFill>
+              <a:schemeClr val="tx2"/>
+            </a:solidFill>
             <a:tailEnd type="triangle"/>
           </a:ln>
         </p:spPr>
@@ -5489,7 +3070,7 @@
         </p:nvSpPr>
         <p:spPr>
           <a:xfrm>
-            <a:off x="691856" y="2641753"/>
+            <a:off x="132689" y="2501506"/>
             <a:ext cx="1769423" cy="369332"/>
           </a:xfrm>
           <a:prstGeom prst="rect">
@@ -5509,44 +3090,6 @@
                 <a:latin typeface="Times" pitchFamily="2" charset="0"/>
               </a:rPr>
               <a:t>Videos of cells</a:t>
-            </a:r>
-          </a:p>
-        </p:txBody>
-      </p:sp>
-      <p:sp>
-        <p:nvSpPr>
-          <p:cNvPr id="14" name="TextBox 13">
-            <a:extLst>
-              <a:ext uri="{FF2B5EF4-FFF2-40B4-BE49-F238E27FC236}">
-                <a16:creationId xmlns:a16="http://schemas.microsoft.com/office/drawing/2014/main" id="{6C214FE7-93BF-CA49-B6CB-32818A1FD71A}"/>
-              </a:ext>
-            </a:extLst>
-          </p:cNvPr>
-          <p:cNvSpPr txBox="1"/>
-          <p:nvPr/>
-        </p:nvSpPr>
-        <p:spPr>
-          <a:xfrm>
-            <a:off x="10070276" y="1121739"/>
-            <a:ext cx="1769423" cy="369332"/>
-          </a:xfrm>
-          <a:prstGeom prst="rect">
-            <a:avLst/>
-          </a:prstGeom>
-          <a:noFill/>
-        </p:spPr>
-        <p:txBody>
-          <a:bodyPr wrap="square" rtlCol="0">
-            <a:spAutoFit/>
-          </a:bodyPr>
-          <a:lstStyle/>
-          <a:p>
-            <a:pPr algn="ctr"/>
-            <a:r>
-              <a:rPr lang="en-US" dirty="0">
-                <a:latin typeface="Times" pitchFamily="2" charset="0"/>
-              </a:rPr>
-              <a:t>Full model</a:t>
             </a:r>
           </a:p>
         </p:txBody>
@@ -5573,7 +3116,7 @@
         </p:blipFill>
         <p:spPr>
           <a:xfrm>
-            <a:off x="6594763" y="2550226"/>
+            <a:off x="5818517" y="2550226"/>
             <a:ext cx="0" cy="0"/>
           </a:xfrm>
           <a:prstGeom prst="rect">
@@ -5603,7 +3146,7 @@
         </p:blipFill>
         <p:spPr>
           <a:xfrm>
-            <a:off x="6594763" y="2550226"/>
+            <a:off x="5818517" y="2550226"/>
             <a:ext cx="0" cy="0"/>
           </a:xfrm>
           <a:prstGeom prst="rect">
@@ -5633,7 +3176,7 @@
         </p:blipFill>
         <p:spPr>
           <a:xfrm>
-            <a:off x="6594763" y="2550226"/>
+            <a:off x="5818517" y="2550226"/>
             <a:ext cx="0" cy="0"/>
           </a:xfrm>
           <a:prstGeom prst="rect">
@@ -5663,7 +3206,7 @@
         </p:blipFill>
         <p:spPr>
           <a:xfrm>
-            <a:off x="6594763" y="2550226"/>
+            <a:off x="5818517" y="2550226"/>
             <a:ext cx="0" cy="0"/>
           </a:xfrm>
           <a:prstGeom prst="rect">
@@ -5693,7 +3236,7 @@
         </p:blipFill>
         <p:spPr>
           <a:xfrm rot="16200000">
-            <a:off x="220565" y="517781"/>
+            <a:off x="-350579" y="517782"/>
             <a:ext cx="1995149" cy="1126151"/>
           </a:xfrm>
           <a:prstGeom prst="rect">
@@ -5723,38 +3266,8 @@
         </p:blipFill>
         <p:spPr>
           <a:xfrm rot="16200000">
-            <a:off x="566586" y="731412"/>
+            <a:off x="-4558" y="731413"/>
             <a:ext cx="1995149" cy="1126151"/>
-          </a:xfrm>
-          <a:prstGeom prst="rect">
-            <a:avLst/>
-          </a:prstGeom>
-        </p:spPr>
-      </p:pic>
-      <p:pic>
-        <p:nvPicPr>
-          <p:cNvPr id="35" name="Picture 34">
-            <a:extLst>
-              <a:ext uri="{FF2B5EF4-FFF2-40B4-BE49-F238E27FC236}">
-                <a16:creationId xmlns:a16="http://schemas.microsoft.com/office/drawing/2014/main" id="{06E2E2CF-5A92-0D43-B6CC-C0F3B2221001}"/>
-              </a:ext>
-            </a:extLst>
-          </p:cNvPr>
-          <p:cNvPicPr>
-            <a:picLocks noChangeAspect="1"/>
-          </p:cNvPicPr>
-          <p:nvPr/>
-        </p:nvPicPr>
-        <p:blipFill>
-          <a:blip r:embed="rId7"/>
-          <a:stretch>
-            <a:fillRect/>
-          </a:stretch>
-        </p:blipFill>
-        <p:spPr>
-          <a:xfrm>
-            <a:off x="3832168" y="296913"/>
-            <a:ext cx="2278303" cy="2278303"/>
           </a:xfrm>
           <a:prstGeom prst="rect">
             <a:avLst/>
@@ -5776,14 +3289,14 @@
           <p:nvPr/>
         </p:nvPicPr>
         <p:blipFill>
-          <a:blip r:embed="rId8"/>
+          <a:blip r:embed="rId7"/>
           <a:stretch>
             <a:fillRect/>
           </a:stretch>
         </p:blipFill>
         <p:spPr>
           <a:xfrm rot="16200000">
-            <a:off x="1030253" y="945043"/>
+            <a:off x="459109" y="945044"/>
             <a:ext cx="1995149" cy="1126151"/>
           </a:xfrm>
           <a:prstGeom prst="rect">
@@ -5805,7 +3318,7 @@
         </p:nvSpPr>
         <p:spPr>
           <a:xfrm>
-            <a:off x="2437929" y="1157244"/>
+            <a:off x="1721503" y="1157245"/>
             <a:ext cx="1769423" cy="646331"/>
           </a:xfrm>
           <a:prstGeom prst="rect">
@@ -5822,65 +3335,12 @@
             <a:pPr algn="ctr"/>
             <a:r>
               <a:rPr lang="en-US" dirty="0">
+                <a:solidFill>
+                  <a:schemeClr val="tx2"/>
+                </a:solidFill>
                 <a:latin typeface="Times" pitchFamily="2" charset="0"/>
               </a:rPr>
               <a:t>Detection + Tracking</a:t>
-            </a:r>
-          </a:p>
-        </p:txBody>
-      </p:sp>
-      <p:sp>
-        <p:nvSpPr>
-          <p:cNvPr id="25" name="TextBox 24">
-            <a:extLst>
-              <a:ext uri="{FF2B5EF4-FFF2-40B4-BE49-F238E27FC236}">
-                <a16:creationId xmlns:a16="http://schemas.microsoft.com/office/drawing/2014/main" id="{09A5E4FE-A197-FC4F-9729-03451358C9DC}"/>
-              </a:ext>
-            </a:extLst>
-          </p:cNvPr>
-          <p:cNvSpPr txBox="1"/>
-          <p:nvPr/>
-        </p:nvSpPr>
-        <p:spPr>
-          <a:xfrm>
-            <a:off x="3832168" y="2641753"/>
-            <a:ext cx="2470045" cy="369332"/>
-          </a:xfrm>
-          <a:prstGeom prst="rect">
-            <a:avLst/>
-          </a:prstGeom>
-          <a:noFill/>
-        </p:spPr>
-        <p:txBody>
-          <a:bodyPr wrap="square" rtlCol="0">
-            <a:spAutoFit/>
-          </a:bodyPr>
-          <a:lstStyle/>
-          <a:p>
-            <a:pPr algn="ctr"/>
-            <a:r>
-              <a:rPr lang="en-US" dirty="0" err="1">
-                <a:latin typeface="Times" pitchFamily="2" charset="0"/>
-              </a:rPr>
-              <a:t>Clathrin</a:t>
-            </a:r>
-            <a:r>
-              <a:rPr lang="en-US" dirty="0">
-                <a:latin typeface="Times" pitchFamily="2" charset="0"/>
-              </a:rPr>
-              <a:t> + </a:t>
-            </a:r>
-            <a:r>
-              <a:rPr lang="en-US" dirty="0" err="1">
-                <a:latin typeface="Times" pitchFamily="2" charset="0"/>
-              </a:rPr>
-              <a:t>Auxilin</a:t>
-            </a:r>
-            <a:r>
-              <a:rPr lang="en-US" dirty="0">
-                <a:latin typeface="Times" pitchFamily="2" charset="0"/>
-              </a:rPr>
-              <a:t> tracks</a:t>
             </a:r>
           </a:p>
         </p:txBody>
@@ -5901,13 +3361,16 @@
         </p:nvCxnSpPr>
         <p:spPr>
           <a:xfrm>
-            <a:off x="6221540" y="1080857"/>
+            <a:off x="5351288" y="1080858"/>
             <a:ext cx="590460" cy="1"/>
           </a:xfrm>
           <a:prstGeom prst="straightConnector1">
             <a:avLst/>
           </a:prstGeom>
           <a:ln w="38100">
+            <a:solidFill>
+              <a:schemeClr val="tx2"/>
+            </a:solidFill>
             <a:tailEnd type="triangle"/>
           </a:ln>
         </p:spPr>
@@ -5928,72 +3391,6 @@
       </p:cxnSp>
       <p:sp>
         <p:nvSpPr>
-          <p:cNvPr id="27" name="TextBox 26">
-            <a:extLst>
-              <a:ext uri="{FF2B5EF4-FFF2-40B4-BE49-F238E27FC236}">
-                <a16:creationId xmlns:a16="http://schemas.microsoft.com/office/drawing/2014/main" id="{A925E7F8-7A6F-7B46-899A-4255BB185321}"/>
-              </a:ext>
-            </a:extLst>
-          </p:cNvPr>
-          <p:cNvSpPr txBox="1"/>
-          <p:nvPr/>
-        </p:nvSpPr>
-        <p:spPr>
-          <a:xfrm>
-            <a:off x="6148032" y="1157243"/>
-            <a:ext cx="756514" cy="646331"/>
-          </a:xfrm>
-          <a:prstGeom prst="rect">
-            <a:avLst/>
-          </a:prstGeom>
-          <a:noFill/>
-        </p:spPr>
-        <p:txBody>
-          <a:bodyPr wrap="square" rtlCol="0">
-            <a:spAutoFit/>
-          </a:bodyPr>
-          <a:lstStyle/>
-          <a:p>
-            <a:pPr algn="ctr"/>
-            <a:r>
-              <a:rPr lang="en-US" dirty="0">
-                <a:latin typeface="Times" pitchFamily="2" charset="0"/>
-              </a:rPr>
-              <a:t>All tracks</a:t>
-            </a:r>
-          </a:p>
-        </p:txBody>
-      </p:sp>
-      <p:graphicFrame>
-        <p:nvGraphicFramePr>
-          <p:cNvPr id="28" name="Diagram 27">
-            <a:extLst>
-              <a:ext uri="{FF2B5EF4-FFF2-40B4-BE49-F238E27FC236}">
-                <a16:creationId xmlns:a16="http://schemas.microsoft.com/office/drawing/2014/main" id="{A713E822-391B-774F-9FE1-92F4E71675B1}"/>
-              </a:ext>
-            </a:extLst>
-          </p:cNvPr>
-          <p:cNvGraphicFramePr/>
-          <p:nvPr>
-            <p:extLst>
-              <p:ext uri="{D42A27DB-BD31-4B8C-83A1-F6EECF244321}">
-                <p14:modId xmlns:p14="http://schemas.microsoft.com/office/powerpoint/2010/main" val="1519197609"/>
-              </p:ext>
-            </p:extLst>
-          </p:nvPr>
-        </p:nvGraphicFramePr>
-        <p:xfrm>
-          <a:off x="7118069" y="546293"/>
-          <a:ext cx="1885921" cy="1257281"/>
-        </p:xfrm>
-        <a:graphic>
-          <a:graphicData uri="http://schemas.openxmlformats.org/drawingml/2006/diagram">
-            <dgm:relIds xmlns:dgm="http://schemas.openxmlformats.org/drawingml/2006/diagram" xmlns:r="http://schemas.openxmlformats.org/officeDocument/2006/relationships" r:dm="rId9" r:lo="rId10" r:qs="rId11" r:cs="rId12"/>
-          </a:graphicData>
-        </a:graphic>
-      </p:graphicFrame>
-      <p:sp>
-        <p:nvSpPr>
           <p:cNvPr id="29" name="TextBox 28">
             <a:extLst>
               <a:ext uri="{FF2B5EF4-FFF2-40B4-BE49-F238E27FC236}">
@@ -6006,8 +3403,8 @@
         </p:nvSpPr>
         <p:spPr>
           <a:xfrm>
-            <a:off x="7157918" y="1859362"/>
-            <a:ext cx="1769423" cy="646331"/>
+            <a:off x="5869038" y="2501506"/>
+            <a:ext cx="2191127" cy="369332"/>
           </a:xfrm>
           <a:prstGeom prst="rect">
             <a:avLst/>
@@ -6046,13 +3443,16 @@
         </p:nvCxnSpPr>
         <p:spPr>
           <a:xfrm>
-            <a:off x="9141909" y="1080855"/>
+            <a:off x="8134926" y="1080856"/>
             <a:ext cx="590460" cy="1"/>
           </a:xfrm>
           <a:prstGeom prst="straightConnector1">
             <a:avLst/>
           </a:prstGeom>
           <a:ln w="38100">
+            <a:solidFill>
+              <a:schemeClr val="tx2"/>
+            </a:solidFill>
             <a:tailEnd type="triangle"/>
           </a:ln>
         </p:spPr>
@@ -6085,7 +3485,7 @@
         </p:nvSpPr>
         <p:spPr>
           <a:xfrm>
-            <a:off x="8927341" y="1232835"/>
+            <a:off x="7878319" y="1232836"/>
             <a:ext cx="1257059" cy="646331"/>
           </a:xfrm>
           <a:prstGeom prst="rect">
@@ -6102,19 +3502,342 @@
             <a:pPr algn="ctr"/>
             <a:r>
               <a:rPr lang="en-US" dirty="0">
+                <a:solidFill>
+                  <a:schemeClr val="tx2"/>
+                </a:solidFill>
                 <a:latin typeface="Times" pitchFamily="2" charset="0"/>
               </a:rPr>
-              <a:t>Difficult tracks</a:t>
+              <a:t>Remaining tracks</a:t>
+            </a:r>
+          </a:p>
+        </p:txBody>
+      </p:sp>
+      <p:sp>
+        <p:nvSpPr>
+          <p:cNvPr id="36" name="TextBox 35">
+            <a:extLst>
+              <a:ext uri="{FF2B5EF4-FFF2-40B4-BE49-F238E27FC236}">
+                <a16:creationId xmlns:a16="http://schemas.microsoft.com/office/drawing/2014/main" id="{847871C7-621A-E74F-8554-35BC78731D40}"/>
+              </a:ext>
+            </a:extLst>
+          </p:cNvPr>
+          <p:cNvSpPr txBox="1"/>
+          <p:nvPr/>
+        </p:nvSpPr>
+        <p:spPr>
+          <a:xfrm>
+            <a:off x="9063292" y="2501506"/>
+            <a:ext cx="1769423" cy="369332"/>
+          </a:xfrm>
+          <a:prstGeom prst="rect">
+            <a:avLst/>
+          </a:prstGeom>
+          <a:noFill/>
+        </p:spPr>
+        <p:txBody>
+          <a:bodyPr wrap="square" rtlCol="0">
+            <a:spAutoFit/>
+          </a:bodyPr>
+          <a:lstStyle/>
+          <a:p>
+            <a:pPr algn="ctr"/>
+            <a:r>
+              <a:rPr lang="en-US" dirty="0">
+                <a:latin typeface="Times" pitchFamily="2" charset="0"/>
+              </a:rPr>
+              <a:t>Neural network</a:t>
+            </a:r>
+          </a:p>
+        </p:txBody>
+      </p:sp>
+      <p:sp>
+        <p:nvSpPr>
+          <p:cNvPr id="24" name="TextBox 23">
+            <a:extLst>
+              <a:ext uri="{FF2B5EF4-FFF2-40B4-BE49-F238E27FC236}">
+                <a16:creationId xmlns:a16="http://schemas.microsoft.com/office/drawing/2014/main" id="{0367CE22-5877-0641-A907-DC7045F21691}"/>
+              </a:ext>
+            </a:extLst>
+          </p:cNvPr>
+          <p:cNvSpPr txBox="1"/>
+          <p:nvPr/>
+        </p:nvSpPr>
+        <p:spPr>
+          <a:xfrm>
+            <a:off x="1694848" y="69145"/>
+            <a:ext cx="414528" cy="369332"/>
+          </a:xfrm>
+          <a:prstGeom prst="rect">
+            <a:avLst/>
+          </a:prstGeom>
+          <a:noFill/>
+        </p:spPr>
+        <p:txBody>
+          <a:bodyPr wrap="square" rtlCol="0">
+            <a:spAutoFit/>
+          </a:bodyPr>
+          <a:lstStyle/>
+          <a:p>
+            <a:pPr algn="ctr"/>
+            <a:r>
+              <a:rPr lang="en-US" b="1" dirty="0">
+                <a:latin typeface="Times" pitchFamily="2" charset="0"/>
+              </a:rPr>
+              <a:t>A</a:t>
+            </a:r>
+          </a:p>
+        </p:txBody>
+      </p:sp>
+      <p:sp>
+        <p:nvSpPr>
+          <p:cNvPr id="34" name="TextBox 33">
+            <a:extLst>
+              <a:ext uri="{FF2B5EF4-FFF2-40B4-BE49-F238E27FC236}">
+                <a16:creationId xmlns:a16="http://schemas.microsoft.com/office/drawing/2014/main" id="{9CC76446-DB1F-DC41-BE74-11A5942685A7}"/>
+              </a:ext>
+            </a:extLst>
+          </p:cNvPr>
+          <p:cNvSpPr txBox="1"/>
+          <p:nvPr/>
+        </p:nvSpPr>
+        <p:spPr>
+          <a:xfrm>
+            <a:off x="7572342" y="69145"/>
+            <a:ext cx="414528" cy="369332"/>
+          </a:xfrm>
+          <a:prstGeom prst="rect">
+            <a:avLst/>
+          </a:prstGeom>
+          <a:noFill/>
+        </p:spPr>
+        <p:txBody>
+          <a:bodyPr wrap="square" rtlCol="0">
+            <a:spAutoFit/>
+          </a:bodyPr>
+          <a:lstStyle/>
+          <a:p>
+            <a:pPr algn="ctr"/>
+            <a:r>
+              <a:rPr lang="en-US" b="1" dirty="0">
+                <a:latin typeface="Times" pitchFamily="2" charset="0"/>
+              </a:rPr>
+              <a:t>C</a:t>
+            </a:r>
+          </a:p>
+        </p:txBody>
+      </p:sp>
+      <p:sp>
+        <p:nvSpPr>
+          <p:cNvPr id="37" name="TextBox 36">
+            <a:extLst>
+              <a:ext uri="{FF2B5EF4-FFF2-40B4-BE49-F238E27FC236}">
+                <a16:creationId xmlns:a16="http://schemas.microsoft.com/office/drawing/2014/main" id="{745CC3D0-B305-5245-8740-C8FA8A2FCC4C}"/>
+              </a:ext>
+            </a:extLst>
+          </p:cNvPr>
+          <p:cNvSpPr txBox="1"/>
+          <p:nvPr/>
+        </p:nvSpPr>
+        <p:spPr>
+          <a:xfrm>
+            <a:off x="10425777" y="69145"/>
+            <a:ext cx="414528" cy="369332"/>
+          </a:xfrm>
+          <a:prstGeom prst="rect">
+            <a:avLst/>
+          </a:prstGeom>
+          <a:noFill/>
+        </p:spPr>
+        <p:txBody>
+          <a:bodyPr wrap="square" rtlCol="0">
+            <a:spAutoFit/>
+          </a:bodyPr>
+          <a:lstStyle/>
+          <a:p>
+            <a:pPr algn="ctr"/>
+            <a:r>
+              <a:rPr lang="en-US" b="1" dirty="0">
+                <a:latin typeface="Times" pitchFamily="2" charset="0"/>
+              </a:rPr>
+              <a:t>D</a:t>
+            </a:r>
+          </a:p>
+        </p:txBody>
+      </p:sp>
+      <p:cxnSp>
+        <p:nvCxnSpPr>
+          <p:cNvPr id="3" name="Straight Connector 2">
+            <a:extLst>
+              <a:ext uri="{FF2B5EF4-FFF2-40B4-BE49-F238E27FC236}">
+                <a16:creationId xmlns:a16="http://schemas.microsoft.com/office/drawing/2014/main" id="{B7AA3672-506C-874B-BEE8-6B6AD4D27227}"/>
+              </a:ext>
+            </a:extLst>
+          </p:cNvPr>
+          <p:cNvCxnSpPr/>
+          <p:nvPr/>
+        </p:nvCxnSpPr>
+        <p:spPr>
+          <a:xfrm>
+            <a:off x="9063292" y="683664"/>
+            <a:ext cx="0" cy="1195502"/>
+          </a:xfrm>
+          <a:prstGeom prst="line">
+            <a:avLst/>
+          </a:prstGeom>
+          <a:ln w="12700">
+            <a:solidFill>
+              <a:schemeClr val="tx1"/>
+            </a:solidFill>
+          </a:ln>
+        </p:spPr>
+        <p:style>
+          <a:lnRef idx="1">
+            <a:schemeClr val="accent1"/>
+          </a:lnRef>
+          <a:fillRef idx="0">
+            <a:schemeClr val="accent1"/>
+          </a:fillRef>
+          <a:effectRef idx="0">
+            <a:schemeClr val="accent1"/>
+          </a:effectRef>
+          <a:fontRef idx="minor">
+            <a:schemeClr val="tx1"/>
+          </a:fontRef>
+        </p:style>
+      </p:cxnSp>
+      <p:cxnSp>
+        <p:nvCxnSpPr>
+          <p:cNvPr id="39" name="Straight Connector 38">
+            <a:extLst>
+              <a:ext uri="{FF2B5EF4-FFF2-40B4-BE49-F238E27FC236}">
+                <a16:creationId xmlns:a16="http://schemas.microsoft.com/office/drawing/2014/main" id="{7C3F1AC3-0AF8-ED41-95E4-6C2106A6C80C}"/>
+              </a:ext>
+            </a:extLst>
+          </p:cNvPr>
+          <p:cNvCxnSpPr>
+            <a:cxnSpLocks/>
+          </p:cNvCxnSpPr>
+          <p:nvPr/>
+        </p:nvCxnSpPr>
+        <p:spPr>
+          <a:xfrm flipH="1">
+            <a:off x="9063292" y="1880736"/>
+            <a:ext cx="1439854" cy="0"/>
+          </a:xfrm>
+          <a:prstGeom prst="line">
+            <a:avLst/>
+          </a:prstGeom>
+          <a:ln w="12700">
+            <a:solidFill>
+              <a:schemeClr val="tx1"/>
+            </a:solidFill>
+          </a:ln>
+        </p:spPr>
+        <p:style>
+          <a:lnRef idx="1">
+            <a:schemeClr val="accent1"/>
+          </a:lnRef>
+          <a:fillRef idx="0">
+            <a:schemeClr val="accent1"/>
+          </a:fillRef>
+          <a:effectRef idx="0">
+            <a:schemeClr val="accent1"/>
+          </a:effectRef>
+          <a:fontRef idx="minor">
+            <a:schemeClr val="tx1"/>
+          </a:fontRef>
+        </p:style>
+      </p:cxnSp>
+      <p:sp>
+        <p:nvSpPr>
+          <p:cNvPr id="19" name="TextBox 18">
+            <a:extLst>
+              <a:ext uri="{FF2B5EF4-FFF2-40B4-BE49-F238E27FC236}">
+                <a16:creationId xmlns:a16="http://schemas.microsoft.com/office/drawing/2014/main" id="{F9BC07E1-5366-9040-BF54-1D99C044A70B}"/>
+              </a:ext>
+            </a:extLst>
+          </p:cNvPr>
+          <p:cNvSpPr txBox="1"/>
+          <p:nvPr/>
+        </p:nvSpPr>
+        <p:spPr>
+          <a:xfrm>
+            <a:off x="9373016" y="1547659"/>
+            <a:ext cx="312906" cy="400110"/>
+          </a:xfrm>
+          <a:prstGeom prst="rect">
+            <a:avLst/>
+          </a:prstGeom>
+          <a:noFill/>
+        </p:spPr>
+        <p:txBody>
+          <a:bodyPr wrap="none" rtlCol="0">
+            <a:spAutoFit/>
+          </a:bodyPr>
+          <a:lstStyle/>
+          <a:p>
+            <a:r>
+              <a:rPr lang="en-US" sz="2000" dirty="0">
+                <a:solidFill>
+                  <a:schemeClr val="accent5">
+                    <a:lumMod val="60000"/>
+                    <a:lumOff val="40000"/>
+                  </a:schemeClr>
+                </a:solidFill>
+              </a:rPr>
+              <a:t>+</a:t>
+            </a:r>
+          </a:p>
+        </p:txBody>
+      </p:sp>
+      <p:sp>
+        <p:nvSpPr>
+          <p:cNvPr id="40" name="TextBox 39">
+            <a:extLst>
+              <a:ext uri="{FF2B5EF4-FFF2-40B4-BE49-F238E27FC236}">
+                <a16:creationId xmlns:a16="http://schemas.microsoft.com/office/drawing/2014/main" id="{945AE08F-3714-4949-9A37-C7C2E3AE4624}"/>
+              </a:ext>
+            </a:extLst>
+          </p:cNvPr>
+          <p:cNvSpPr txBox="1"/>
+          <p:nvPr/>
+        </p:nvSpPr>
+        <p:spPr>
+          <a:xfrm>
+            <a:off x="9919606" y="1533078"/>
+            <a:ext cx="300082" cy="400110"/>
+          </a:xfrm>
+          <a:prstGeom prst="rect">
+            <a:avLst/>
+          </a:prstGeom>
+          <a:noFill/>
+        </p:spPr>
+        <p:txBody>
+          <a:bodyPr wrap="square" rtlCol="0">
+            <a:spAutoFit/>
+          </a:bodyPr>
+          <a:lstStyle/>
+          <a:p>
+            <a:r>
+              <a:rPr lang="en-US" sz="2000" dirty="0">
+                <a:solidFill>
+                  <a:schemeClr val="accent5">
+                    <a:lumMod val="60000"/>
+                    <a:lumOff val="40000"/>
+                  </a:schemeClr>
+                </a:solidFill>
+              </a:rPr>
+              <a:t>+</a:t>
             </a:r>
           </a:p>
         </p:txBody>
       </p:sp>
       <p:pic>
         <p:nvPicPr>
-          <p:cNvPr id="33" name="Picture 32">
+          <p:cNvPr id="5" name="Picture 4">
             <a:extLst>
               <a:ext uri="{FF2B5EF4-FFF2-40B4-BE49-F238E27FC236}">
-                <a16:creationId xmlns:a16="http://schemas.microsoft.com/office/drawing/2014/main" id="{9766A0A2-71C0-6345-A5A6-0CC4855499DA}"/>
+                <a16:creationId xmlns:a16="http://schemas.microsoft.com/office/drawing/2014/main" id="{F7012CB6-7609-D348-A31F-78E18FD46F86}"/>
               </a:ext>
             </a:extLst>
           </p:cNvPr>
@@ -6124,15 +3847,15 @@
           <p:nvPr/>
         </p:nvPicPr>
         <p:blipFill>
-          <a:blip r:embed="rId14"/>
+          <a:blip r:embed="rId8"/>
           <a:stretch>
             <a:fillRect/>
           </a:stretch>
         </p:blipFill>
         <p:spPr>
           <a:xfrm>
-            <a:off x="10148187" y="725753"/>
-            <a:ext cx="1638300" cy="1231900"/>
+            <a:off x="3155573" y="296913"/>
+            <a:ext cx="2209549" cy="2209549"/>
           </a:xfrm>
           <a:prstGeom prst="rect">
             <a:avLst/>
@@ -6141,10 +3864,10 @@
       </p:pic>
       <p:sp>
         <p:nvSpPr>
-          <p:cNvPr id="36" name="TextBox 35">
+          <p:cNvPr id="41" name="TextBox 40">
             <a:extLst>
               <a:ext uri="{FF2B5EF4-FFF2-40B4-BE49-F238E27FC236}">
-                <a16:creationId xmlns:a16="http://schemas.microsoft.com/office/drawing/2014/main" id="{847871C7-621A-E74F-8554-35BC78731D40}"/>
+                <a16:creationId xmlns:a16="http://schemas.microsoft.com/office/drawing/2014/main" id="{74B258F6-FC77-1647-8CAD-F2C3EB885D94}"/>
               </a:ext>
             </a:extLst>
           </p:cNvPr>
@@ -6153,8 +3876,8 @@
         </p:nvSpPr>
         <p:spPr>
           <a:xfrm>
-            <a:off x="10070275" y="1968896"/>
-            <a:ext cx="1769423" cy="369332"/>
+            <a:off x="9799089" y="792986"/>
+            <a:ext cx="312906" cy="400110"/>
           </a:xfrm>
           <a:prstGeom prst="rect">
             <a:avLst/>
@@ -6162,27 +3885,31 @@
           <a:noFill/>
         </p:spPr>
         <p:txBody>
-          <a:bodyPr wrap="square" rtlCol="0">
+          <a:bodyPr wrap="none" rtlCol="0">
             <a:spAutoFit/>
           </a:bodyPr>
           <a:lstStyle/>
           <a:p>
-            <a:pPr algn="ctr"/>
-            <a:r>
-              <a:rPr lang="en-US" dirty="0">
-                <a:latin typeface="Times" pitchFamily="2" charset="0"/>
+            <a:r>
+              <a:rPr lang="en-US" sz="2000" dirty="0">
+                <a:solidFill>
+                  <a:schemeClr val="accent5">
+                    <a:lumMod val="60000"/>
+                    <a:lumOff val="40000"/>
+                  </a:schemeClr>
+                </a:solidFill>
               </a:rPr>
-              <a:t>Full model</a:t>
-            </a:r>
-          </a:p>
-        </p:txBody>
-      </p:sp>
-      <p:sp>
-        <p:nvSpPr>
-          <p:cNvPr id="24" name="TextBox 23">
+              <a:t>+</a:t>
+            </a:r>
+          </a:p>
+        </p:txBody>
+      </p:sp>
+      <p:sp>
+        <p:nvSpPr>
+          <p:cNvPr id="42" name="TextBox 41">
             <a:extLst>
               <a:ext uri="{FF2B5EF4-FFF2-40B4-BE49-F238E27FC236}">
-                <a16:creationId xmlns:a16="http://schemas.microsoft.com/office/drawing/2014/main" id="{0367CE22-5877-0641-A907-DC7045F21691}"/>
+                <a16:creationId xmlns:a16="http://schemas.microsoft.com/office/drawing/2014/main" id="{1B5D7A7D-058F-3140-A0C3-EC60B5189BAF}"/>
               </a:ext>
             </a:extLst>
           </p:cNvPr>
@@ -6191,8 +3918,8 @@
         </p:nvSpPr>
         <p:spPr>
           <a:xfrm>
-            <a:off x="2265993" y="73181"/>
-            <a:ext cx="414528" cy="369332"/>
+            <a:off x="9943928" y="1057309"/>
+            <a:ext cx="312906" cy="400110"/>
           </a:xfrm>
           <a:prstGeom prst="rect">
             <a:avLst/>
@@ -6200,17 +3927,297 @@
           <a:noFill/>
         </p:spPr>
         <p:txBody>
-          <a:bodyPr wrap="square" rtlCol="0">
+          <a:bodyPr wrap="none" rtlCol="0">
             <a:spAutoFit/>
           </a:bodyPr>
           <a:lstStyle/>
           <a:p>
-            <a:pPr algn="ctr"/>
-            <a:r>
-              <a:rPr lang="en-US" b="1" dirty="0">
-                <a:latin typeface="Times" pitchFamily="2" charset="0"/>
+            <a:r>
+              <a:rPr lang="en-US" sz="2000" dirty="0">
+                <a:solidFill>
+                  <a:schemeClr val="accent5">
+                    <a:lumMod val="60000"/>
+                    <a:lumOff val="40000"/>
+                  </a:schemeClr>
+                </a:solidFill>
               </a:rPr>
-              <a:t>A</a:t>
+              <a:t>+</a:t>
+            </a:r>
+          </a:p>
+        </p:txBody>
+      </p:sp>
+      <p:sp>
+        <p:nvSpPr>
+          <p:cNvPr id="43" name="TextBox 42">
+            <a:extLst>
+              <a:ext uri="{FF2B5EF4-FFF2-40B4-BE49-F238E27FC236}">
+                <a16:creationId xmlns:a16="http://schemas.microsoft.com/office/drawing/2014/main" id="{540DB3CD-85EA-F343-87DE-FEA3F65DF3CC}"/>
+              </a:ext>
+            </a:extLst>
+          </p:cNvPr>
+          <p:cNvSpPr txBox="1"/>
+          <p:nvPr/>
+        </p:nvSpPr>
+        <p:spPr>
+          <a:xfrm>
+            <a:off x="10206816" y="765432"/>
+            <a:ext cx="312906" cy="400110"/>
+          </a:xfrm>
+          <a:prstGeom prst="rect">
+            <a:avLst/>
+          </a:prstGeom>
+          <a:noFill/>
+        </p:spPr>
+        <p:txBody>
+          <a:bodyPr wrap="none" rtlCol="0">
+            <a:spAutoFit/>
+          </a:bodyPr>
+          <a:lstStyle/>
+          <a:p>
+            <a:r>
+              <a:rPr lang="en-US" sz="2000" dirty="0">
+                <a:solidFill>
+                  <a:schemeClr val="accent5">
+                    <a:lumMod val="60000"/>
+                    <a:lumOff val="40000"/>
+                  </a:schemeClr>
+                </a:solidFill>
+              </a:rPr>
+              <a:t>+</a:t>
+            </a:r>
+          </a:p>
+        </p:txBody>
+      </p:sp>
+      <p:sp>
+        <p:nvSpPr>
+          <p:cNvPr id="44" name="TextBox 43">
+            <a:extLst>
+              <a:ext uri="{FF2B5EF4-FFF2-40B4-BE49-F238E27FC236}">
+                <a16:creationId xmlns:a16="http://schemas.microsoft.com/office/drawing/2014/main" id="{20C5845C-79F0-6C43-A830-197CFB720BF7}"/>
+              </a:ext>
+            </a:extLst>
+          </p:cNvPr>
+          <p:cNvSpPr txBox="1"/>
+          <p:nvPr/>
+        </p:nvSpPr>
+        <p:spPr>
+          <a:xfrm>
+            <a:off x="9514711" y="990450"/>
+            <a:ext cx="309700" cy="584775"/>
+          </a:xfrm>
+          <a:prstGeom prst="rect">
+            <a:avLst/>
+          </a:prstGeom>
+          <a:noFill/>
+        </p:spPr>
+        <p:txBody>
+          <a:bodyPr wrap="none" rtlCol="0">
+            <a:spAutoFit/>
+          </a:bodyPr>
+          <a:lstStyle/>
+          <a:p>
+            <a:r>
+              <a:rPr lang="en-US" sz="3200" b="1" dirty="0">
+                <a:solidFill>
+                  <a:srgbClr val="F99C04"/>
+                </a:solidFill>
+              </a:rPr>
+              <a:t>-</a:t>
+            </a:r>
+          </a:p>
+        </p:txBody>
+      </p:sp>
+      <p:sp>
+        <p:nvSpPr>
+          <p:cNvPr id="45" name="TextBox 44">
+            <a:extLst>
+              <a:ext uri="{FF2B5EF4-FFF2-40B4-BE49-F238E27FC236}">
+                <a16:creationId xmlns:a16="http://schemas.microsoft.com/office/drawing/2014/main" id="{2021357D-588D-9144-A4EA-F12BE573A661}"/>
+              </a:ext>
+            </a:extLst>
+          </p:cNvPr>
+          <p:cNvSpPr txBox="1"/>
+          <p:nvPr/>
+        </p:nvSpPr>
+        <p:spPr>
+          <a:xfrm>
+            <a:off x="9353622" y="743627"/>
+            <a:ext cx="309700" cy="584775"/>
+          </a:xfrm>
+          <a:prstGeom prst="rect">
+            <a:avLst/>
+          </a:prstGeom>
+          <a:noFill/>
+        </p:spPr>
+        <p:txBody>
+          <a:bodyPr wrap="none" rtlCol="0">
+            <a:spAutoFit/>
+          </a:bodyPr>
+          <a:lstStyle/>
+          <a:p>
+            <a:r>
+              <a:rPr lang="en-US" sz="3200" b="1" dirty="0">
+                <a:solidFill>
+                  <a:srgbClr val="F99C04"/>
+                </a:solidFill>
+              </a:rPr>
+              <a:t>-</a:t>
+            </a:r>
+          </a:p>
+        </p:txBody>
+      </p:sp>
+      <p:sp>
+        <p:nvSpPr>
+          <p:cNvPr id="46" name="TextBox 45">
+            <a:extLst>
+              <a:ext uri="{FF2B5EF4-FFF2-40B4-BE49-F238E27FC236}">
+                <a16:creationId xmlns:a16="http://schemas.microsoft.com/office/drawing/2014/main" id="{B2990652-3838-6342-B380-296C3FDA4DF4}"/>
+              </a:ext>
+            </a:extLst>
+          </p:cNvPr>
+          <p:cNvSpPr txBox="1"/>
+          <p:nvPr/>
+        </p:nvSpPr>
+        <p:spPr>
+          <a:xfrm>
+            <a:off x="9665400" y="438477"/>
+            <a:ext cx="309700" cy="584775"/>
+          </a:xfrm>
+          <a:prstGeom prst="rect">
+            <a:avLst/>
+          </a:prstGeom>
+          <a:noFill/>
+        </p:spPr>
+        <p:txBody>
+          <a:bodyPr wrap="none" rtlCol="0">
+            <a:spAutoFit/>
+          </a:bodyPr>
+          <a:lstStyle/>
+          <a:p>
+            <a:r>
+              <a:rPr lang="en-US" sz="3200" b="1" dirty="0">
+                <a:solidFill>
+                  <a:srgbClr val="F99C04"/>
+                </a:solidFill>
+              </a:rPr>
+              <a:t>-</a:t>
+            </a:r>
+          </a:p>
+        </p:txBody>
+      </p:sp>
+      <p:sp>
+        <p:nvSpPr>
+          <p:cNvPr id="47" name="TextBox 46">
+            <a:extLst>
+              <a:ext uri="{FF2B5EF4-FFF2-40B4-BE49-F238E27FC236}">
+                <a16:creationId xmlns:a16="http://schemas.microsoft.com/office/drawing/2014/main" id="{0528EC0E-E0F8-5943-9E69-5A6C456ABA3B}"/>
+              </a:ext>
+            </a:extLst>
+          </p:cNvPr>
+          <p:cNvSpPr txBox="1"/>
+          <p:nvPr/>
+        </p:nvSpPr>
+        <p:spPr>
+          <a:xfrm>
+            <a:off x="9111589" y="974090"/>
+            <a:ext cx="309700" cy="584775"/>
+          </a:xfrm>
+          <a:prstGeom prst="rect">
+            <a:avLst/>
+          </a:prstGeom>
+          <a:noFill/>
+        </p:spPr>
+        <p:txBody>
+          <a:bodyPr wrap="none" rtlCol="0">
+            <a:spAutoFit/>
+          </a:bodyPr>
+          <a:lstStyle/>
+          <a:p>
+            <a:r>
+              <a:rPr lang="en-US" sz="3200" b="1" dirty="0">
+                <a:solidFill>
+                  <a:srgbClr val="F99C04"/>
+                </a:solidFill>
+              </a:rPr>
+              <a:t>-</a:t>
+            </a:r>
+          </a:p>
+        </p:txBody>
+      </p:sp>
+      <p:sp>
+        <p:nvSpPr>
+          <p:cNvPr id="48" name="TextBox 47">
+            <a:extLst>
+              <a:ext uri="{FF2B5EF4-FFF2-40B4-BE49-F238E27FC236}">
+                <a16:creationId xmlns:a16="http://schemas.microsoft.com/office/drawing/2014/main" id="{688506E1-84DB-3F40-ACB9-39E6D6E04BD9}"/>
+              </a:ext>
+            </a:extLst>
+          </p:cNvPr>
+          <p:cNvSpPr txBox="1"/>
+          <p:nvPr/>
+        </p:nvSpPr>
+        <p:spPr>
+          <a:xfrm>
+            <a:off x="9118645" y="551598"/>
+            <a:ext cx="309700" cy="584775"/>
+          </a:xfrm>
+          <a:prstGeom prst="rect">
+            <a:avLst/>
+          </a:prstGeom>
+          <a:noFill/>
+        </p:spPr>
+        <p:txBody>
+          <a:bodyPr wrap="none" rtlCol="0">
+            <a:spAutoFit/>
+          </a:bodyPr>
+          <a:lstStyle/>
+          <a:p>
+            <a:r>
+              <a:rPr lang="en-US" sz="3200" b="1" dirty="0">
+                <a:solidFill>
+                  <a:srgbClr val="F99C04"/>
+                </a:solidFill>
+              </a:rPr>
+              <a:t>-</a:t>
+            </a:r>
+          </a:p>
+        </p:txBody>
+      </p:sp>
+      <p:sp>
+        <p:nvSpPr>
+          <p:cNvPr id="49" name="TextBox 48">
+            <a:extLst>
+              <a:ext uri="{FF2B5EF4-FFF2-40B4-BE49-F238E27FC236}">
+                <a16:creationId xmlns:a16="http://schemas.microsoft.com/office/drawing/2014/main" id="{46294653-5B92-C24A-A9D5-4560B72EA181}"/>
+              </a:ext>
+            </a:extLst>
+          </p:cNvPr>
+          <p:cNvSpPr txBox="1"/>
+          <p:nvPr/>
+        </p:nvSpPr>
+        <p:spPr>
+          <a:xfrm>
+            <a:off x="9091826" y="1329187"/>
+            <a:ext cx="309700" cy="584775"/>
+          </a:xfrm>
+          <a:prstGeom prst="rect">
+            <a:avLst/>
+          </a:prstGeom>
+          <a:noFill/>
+        </p:spPr>
+        <p:txBody>
+          <a:bodyPr wrap="none" rtlCol="0">
+            <a:spAutoFit/>
+          </a:bodyPr>
+          <a:lstStyle/>
+          <a:p>
+            <a:r>
+              <a:rPr lang="en-US" sz="3200" b="1" dirty="0">
+                <a:solidFill>
+                  <a:srgbClr val="F99C04"/>
+                </a:solidFill>
+              </a:rPr>
+              <a:t>-</a:t>
             </a:r>
           </a:p>
         </p:txBody>
@@ -6229,7 +4236,7 @@
         </p:nvSpPr>
         <p:spPr>
           <a:xfrm>
-            <a:off x="5958742" y="83281"/>
+            <a:off x="4823665" y="69145"/>
             <a:ext cx="414528" cy="369332"/>
           </a:xfrm>
           <a:prstGeom prst="rect">
@@ -6255,10 +4262,10 @@
       </p:sp>
       <p:sp>
         <p:nvSpPr>
-          <p:cNvPr id="34" name="TextBox 33">
+          <p:cNvPr id="52" name="TextBox 51">
             <a:extLst>
               <a:ext uri="{FF2B5EF4-FFF2-40B4-BE49-F238E27FC236}">
-                <a16:creationId xmlns:a16="http://schemas.microsoft.com/office/drawing/2014/main" id="{9CC76446-DB1F-DC41-BE74-11A5942685A7}"/>
+                <a16:creationId xmlns:a16="http://schemas.microsoft.com/office/drawing/2014/main" id="{F639282A-14D0-1D48-8AC0-375C5B426F60}"/>
               </a:ext>
             </a:extLst>
           </p:cNvPr>
@@ -6267,8 +4274,8 @@
         </p:nvSpPr>
         <p:spPr>
           <a:xfrm>
-            <a:off x="8589462" y="73181"/>
-            <a:ext cx="414528" cy="369332"/>
+            <a:off x="13299286" y="62107"/>
+            <a:ext cx="184731" cy="369332"/>
           </a:xfrm>
           <a:prstGeom prst="rect">
             <a:avLst/>
@@ -6276,27 +4283,21 @@
           <a:noFill/>
         </p:spPr>
         <p:txBody>
-          <a:bodyPr wrap="square" rtlCol="0">
+          <a:bodyPr wrap="none" rtlCol="0">
             <a:spAutoFit/>
           </a:bodyPr>
           <a:lstStyle/>
           <a:p>
-            <a:pPr algn="ctr"/>
-            <a:r>
-              <a:rPr lang="en-US" b="1" dirty="0">
-                <a:latin typeface="Times" pitchFamily="2" charset="0"/>
-              </a:rPr>
-              <a:t>C</a:t>
-            </a:r>
-          </a:p>
-        </p:txBody>
-      </p:sp>
-      <p:sp>
-        <p:nvSpPr>
-          <p:cNvPr id="37" name="TextBox 36">
+            <a:endParaRPr lang="en-US" dirty="0"/>
+          </a:p>
+        </p:txBody>
+      </p:sp>
+      <p:sp>
+        <p:nvSpPr>
+          <p:cNvPr id="53" name="TextBox 52">
             <a:extLst>
               <a:ext uri="{FF2B5EF4-FFF2-40B4-BE49-F238E27FC236}">
-                <a16:creationId xmlns:a16="http://schemas.microsoft.com/office/drawing/2014/main" id="{745CC3D0-B305-5245-8740-C8FA8A2FCC4C}"/>
+                <a16:creationId xmlns:a16="http://schemas.microsoft.com/office/drawing/2014/main" id="{13CE0697-4AD4-8947-9C8D-B73CF755F035}"/>
               </a:ext>
             </a:extLst>
           </p:cNvPr>
@@ -6305,7 +4306,7 @@
         </p:nvSpPr>
         <p:spPr>
           <a:xfrm>
-            <a:off x="11432760" y="112246"/>
+            <a:off x="12998351" y="69145"/>
             <a:ext cx="414528" cy="369332"/>
           </a:xfrm>
           <a:prstGeom prst="rect">
@@ -6324,11 +4325,281 @@
               <a:rPr lang="en-US" b="1" dirty="0">
                 <a:latin typeface="Times" pitchFamily="2" charset="0"/>
               </a:rPr>
-              <a:t>D</a:t>
-            </a:r>
-          </a:p>
-        </p:txBody>
-      </p:sp>
+              <a:t>E</a:t>
+            </a:r>
+          </a:p>
+        </p:txBody>
+      </p:sp>
+      <p:cxnSp>
+        <p:nvCxnSpPr>
+          <p:cNvPr id="13" name="Curved Connector 12">
+            <a:extLst>
+              <a:ext uri="{FF2B5EF4-FFF2-40B4-BE49-F238E27FC236}">
+                <a16:creationId xmlns:a16="http://schemas.microsoft.com/office/drawing/2014/main" id="{65FE7819-A94B-8447-9604-D2A9B609FE7F}"/>
+              </a:ext>
+            </a:extLst>
+          </p:cNvPr>
+          <p:cNvCxnSpPr/>
+          <p:nvPr/>
+        </p:nvCxnSpPr>
+        <p:spPr>
+          <a:xfrm flipV="1">
+            <a:off x="9085225" y="647143"/>
+            <a:ext cx="1455623" cy="1103488"/>
+          </a:xfrm>
+          <a:prstGeom prst="curvedConnector3">
+            <a:avLst/>
+          </a:prstGeom>
+          <a:ln w="38100"/>
+        </p:spPr>
+        <p:style>
+          <a:lnRef idx="1">
+            <a:schemeClr val="dk1"/>
+          </a:lnRef>
+          <a:fillRef idx="0">
+            <a:schemeClr val="dk1"/>
+          </a:fillRef>
+          <a:effectRef idx="0">
+            <a:schemeClr val="dk1"/>
+          </a:effectRef>
+          <a:fontRef idx="minor">
+            <a:schemeClr val="tx1"/>
+          </a:fontRef>
+        </p:style>
+      </p:cxnSp>
+      <p:sp>
+        <p:nvSpPr>
+          <p:cNvPr id="54" name="TextBox 53">
+            <a:extLst>
+              <a:ext uri="{FF2B5EF4-FFF2-40B4-BE49-F238E27FC236}">
+                <a16:creationId xmlns:a16="http://schemas.microsoft.com/office/drawing/2014/main" id="{4618F137-74AD-0C4E-9A2F-0527D117A660}"/>
+              </a:ext>
+            </a:extLst>
+          </p:cNvPr>
+          <p:cNvSpPr txBox="1"/>
+          <p:nvPr/>
+        </p:nvSpPr>
+        <p:spPr>
+          <a:xfrm>
+            <a:off x="9582378" y="1329680"/>
+            <a:ext cx="300082" cy="400110"/>
+          </a:xfrm>
+          <a:prstGeom prst="rect">
+            <a:avLst/>
+          </a:prstGeom>
+          <a:noFill/>
+        </p:spPr>
+        <p:txBody>
+          <a:bodyPr wrap="square" rtlCol="0">
+            <a:spAutoFit/>
+          </a:bodyPr>
+          <a:lstStyle/>
+          <a:p>
+            <a:r>
+              <a:rPr lang="en-US" sz="2000" dirty="0">
+                <a:solidFill>
+                  <a:schemeClr val="accent5">
+                    <a:lumMod val="60000"/>
+                    <a:lumOff val="40000"/>
+                  </a:schemeClr>
+                </a:solidFill>
+              </a:rPr>
+              <a:t>+</a:t>
+            </a:r>
+          </a:p>
+        </p:txBody>
+      </p:sp>
+      <p:sp>
+        <p:nvSpPr>
+          <p:cNvPr id="14" name="TextBox 13">
+            <a:extLst>
+              <a:ext uri="{FF2B5EF4-FFF2-40B4-BE49-F238E27FC236}">
+                <a16:creationId xmlns:a16="http://schemas.microsoft.com/office/drawing/2014/main" id="{204D344E-890A-5543-AC4B-4C8F1B1A219F}"/>
+              </a:ext>
+            </a:extLst>
+          </p:cNvPr>
+          <p:cNvSpPr txBox="1"/>
+          <p:nvPr/>
+        </p:nvSpPr>
+        <p:spPr>
+          <a:xfrm>
+            <a:off x="6140096" y="555226"/>
+            <a:ext cx="1714957" cy="1477328"/>
+          </a:xfrm>
+          <a:prstGeom prst="rect">
+            <a:avLst/>
+          </a:prstGeom>
+          <a:noFill/>
+          <a:ln>
+            <a:solidFill>
+              <a:schemeClr val="bg2">
+                <a:lumMod val="75000"/>
+              </a:schemeClr>
+            </a:solidFill>
+          </a:ln>
+        </p:spPr>
+        <p:txBody>
+          <a:bodyPr wrap="none" rtlCol="0">
+            <a:spAutoFit/>
+          </a:bodyPr>
+          <a:lstStyle/>
+          <a:p>
+            <a:r>
+              <a:rPr lang="en-US" dirty="0"/>
+              <a:t>If lifetime &lt; 15:</a:t>
+            </a:r>
+          </a:p>
+          <a:p>
+            <a:r>
+              <a:rPr lang="en-US" dirty="0"/>
+              <a:t>	</a:t>
+            </a:r>
+            <a:r>
+              <a:rPr lang="en-US" dirty="0">
+                <a:solidFill>
+                  <a:schemeClr val="accent2"/>
+                </a:solidFill>
+              </a:rPr>
+              <a:t>aux-</a:t>
+            </a:r>
+          </a:p>
+          <a:p>
+            <a:r>
+              <a:rPr lang="en-US" dirty="0"/>
+              <a:t>If lifetime &gt; 161:</a:t>
+            </a:r>
+          </a:p>
+          <a:p>
+            <a:r>
+              <a:rPr lang="en-US" dirty="0">
+                <a:solidFill>
+                  <a:schemeClr val="accent5"/>
+                </a:solidFill>
+              </a:rPr>
+              <a:t>	aux+</a:t>
+            </a:r>
+          </a:p>
+          <a:p>
+            <a:endParaRPr lang="en-US" dirty="0">
+              <a:solidFill>
+                <a:schemeClr val="accent2"/>
+              </a:solidFill>
+            </a:endParaRPr>
+          </a:p>
+        </p:txBody>
+      </p:sp>
+      <p:cxnSp>
+        <p:nvCxnSpPr>
+          <p:cNvPr id="56" name="Straight Arrow Connector 55">
+            <a:extLst>
+              <a:ext uri="{FF2B5EF4-FFF2-40B4-BE49-F238E27FC236}">
+                <a16:creationId xmlns:a16="http://schemas.microsoft.com/office/drawing/2014/main" id="{41B1099A-CBC2-9C45-97D8-F617B7CA8491}"/>
+              </a:ext>
+            </a:extLst>
+          </p:cNvPr>
+          <p:cNvCxnSpPr>
+            <a:cxnSpLocks/>
+          </p:cNvCxnSpPr>
+          <p:nvPr/>
+        </p:nvCxnSpPr>
+        <p:spPr>
+          <a:xfrm>
+            <a:off x="10610105" y="1086111"/>
+            <a:ext cx="590460" cy="1"/>
+          </a:xfrm>
+          <a:prstGeom prst="straightConnector1">
+            <a:avLst/>
+          </a:prstGeom>
+          <a:ln w="38100">
+            <a:solidFill>
+              <a:schemeClr val="tx2"/>
+            </a:solidFill>
+            <a:tailEnd type="triangle"/>
+          </a:ln>
+        </p:spPr>
+        <p:style>
+          <a:lnRef idx="1">
+            <a:schemeClr val="dk1"/>
+          </a:lnRef>
+          <a:fillRef idx="0">
+            <a:schemeClr val="dk1"/>
+          </a:fillRef>
+          <a:effectRef idx="0">
+            <a:schemeClr val="dk1"/>
+          </a:effectRef>
+          <a:fontRef idx="minor">
+            <a:schemeClr val="tx1"/>
+          </a:fontRef>
+        </p:style>
+      </p:cxnSp>
+      <p:sp>
+        <p:nvSpPr>
+          <p:cNvPr id="57" name="TextBox 56">
+            <a:extLst>
+              <a:ext uri="{FF2B5EF4-FFF2-40B4-BE49-F238E27FC236}">
+                <a16:creationId xmlns:a16="http://schemas.microsoft.com/office/drawing/2014/main" id="{43FCBE01-9D55-7742-BB26-7A8D94EF0038}"/>
+              </a:ext>
+            </a:extLst>
+          </p:cNvPr>
+          <p:cNvSpPr txBox="1"/>
+          <p:nvPr/>
+        </p:nvSpPr>
+        <p:spPr>
+          <a:xfrm>
+            <a:off x="11685615" y="2496252"/>
+            <a:ext cx="1769423" cy="369332"/>
+          </a:xfrm>
+          <a:prstGeom prst="rect">
+            <a:avLst/>
+          </a:prstGeom>
+          <a:noFill/>
+        </p:spPr>
+        <p:txBody>
+          <a:bodyPr wrap="square" rtlCol="0">
+            <a:spAutoFit/>
+          </a:bodyPr>
+          <a:lstStyle/>
+          <a:p>
+            <a:pPr algn="ctr"/>
+            <a:r>
+              <a:rPr lang="en-US" dirty="0">
+                <a:latin typeface="Times" pitchFamily="2" charset="0"/>
+              </a:rPr>
+              <a:t>Interpretation</a:t>
+            </a:r>
+          </a:p>
+        </p:txBody>
+      </p:sp>
+      <p:pic>
+        <p:nvPicPr>
+          <p:cNvPr id="6" name="Picture 5">
+            <a:extLst>
+              <a:ext uri="{FF2B5EF4-FFF2-40B4-BE49-F238E27FC236}">
+                <a16:creationId xmlns:a16="http://schemas.microsoft.com/office/drawing/2014/main" id="{59DC9512-5ABE-0C4E-A09A-C17EA5FFAF0C}"/>
+              </a:ext>
+            </a:extLst>
+          </p:cNvPr>
+          <p:cNvPicPr>
+            <a:picLocks noChangeAspect="1"/>
+          </p:cNvPicPr>
+          <p:nvPr/>
+        </p:nvPicPr>
+        <p:blipFill>
+          <a:blip r:embed="rId9"/>
+          <a:stretch>
+            <a:fillRect/>
+          </a:stretch>
+        </p:blipFill>
+        <p:spPr>
+          <a:xfrm>
+            <a:off x="11483971" y="474740"/>
+            <a:ext cx="1879600" cy="1638300"/>
+          </a:xfrm>
+          <a:prstGeom prst="rect">
+            <a:avLst/>
+          </a:prstGeom>
+        </p:spPr>
+      </p:pic>
     </p:spTree>
     <p:extLst>
       <p:ext uri="{BB962C8B-B14F-4D97-AF65-F5344CB8AC3E}">
